--- a/labs/preparing_labs.pptx
+++ b/labs/preparing_labs.pptx
@@ -5,7 +5,7 @@
     <p:sldMasterId id="2147483648" r:id="rId1"/>
   </p:sldMasterIdLst>
   <p:notesMasterIdLst>
-    <p:notesMasterId r:id="rId8"/>
+    <p:notesMasterId r:id="rId9"/>
   </p:notesMasterIdLst>
   <p:sldIdLst>
     <p:sldId id="338" r:id="rId2"/>
@@ -13,7 +13,8 @@
     <p:sldId id="450" r:id="rId4"/>
     <p:sldId id="435" r:id="rId5"/>
     <p:sldId id="442" r:id="rId6"/>
-    <p:sldId id="429" r:id="rId7"/>
+    <p:sldId id="451" r:id="rId7"/>
+    <p:sldId id="429" r:id="rId8"/>
   </p:sldIdLst>
   <p:sldSz cx="9144000" cy="5143500" type="screen16x9"/>
   <p:notesSz cx="6858000" cy="9144000"/>
@@ -8708,7 +8709,7 @@
                 </a:solidFill>
                 <a:uFillTx/>
               </a:rPr>
-              <a:t>Distribute data automatically</a:t>
+              <a:t>(…)</a:t>
             </a:r>
           </a:p>
           <a:p>
@@ -8730,7 +8731,7 @@
                 </a:solidFill>
                 <a:uFillTx/>
               </a:rPr>
-              <a:t>HA / Fail-over</a:t>
+              <a:t>(…)</a:t>
             </a:r>
           </a:p>
           <a:p>
@@ -9051,7 +9052,7 @@
                 </a:solidFill>
                 <a:uFillTx/>
               </a:rPr>
-              <a:t>Scale-out</a:t>
+              <a:t>(…)</a:t>
             </a:r>
             <a:endParaRPr lang="en-US" sz="1500" dirty="0" smtClean="0">
               <a:solidFill>
@@ -9381,13 +9382,13 @@
               </a:defRPr>
             </a:pPr>
             <a:r>
-              <a:rPr lang="en-US" sz="1500" dirty="0" smtClean="0">
+              <a:rPr lang="en-US" sz="1500" dirty="0">
                 <a:solidFill>
                   <a:schemeClr val="tx1"/>
                 </a:solidFill>
                 <a:uFillTx/>
               </a:rPr>
-              <a:t>Scale-out</a:t>
+              <a:t>Easily connect to external tools</a:t>
             </a:r>
           </a:p>
           <a:p>
@@ -9409,7 +9410,7 @@
                 </a:solidFill>
                 <a:uFillTx/>
               </a:rPr>
-              <a:t>Built-in processors</a:t>
+              <a:t>Scale-out</a:t>
             </a:r>
           </a:p>
           <a:p>
@@ -9431,14 +9432,8 @@
                 </a:solidFill>
                 <a:uFillTx/>
               </a:rPr>
-              <a:t>Easily connect to external tools</a:t>
-            </a:r>
-            <a:endParaRPr lang="en-US" sz="1500" dirty="0" smtClean="0">
-              <a:solidFill>
-                <a:schemeClr val="tx1"/>
-              </a:solidFill>
-              <a:uFillTx/>
-            </a:endParaRPr>
+              <a:t>Built-in processors</a:t>
+            </a:r>
           </a:p>
           <a:p>
             <a:pPr defTabSz="694944">
@@ -10557,7 +10552,7 @@
               </a:defRPr>
             </a:pPr>
             <a:r>
-              <a:rPr lang="x-none" sz="2000" dirty="0" smtClean="0">
+              <a:rPr lang="x-none" sz="2200" dirty="0" smtClean="0">
                 <a:solidFill>
                   <a:schemeClr val="accent1">
                     <a:lumMod val="75000"/>
@@ -10566,7 +10561,7 @@
               </a:rPr>
               <a:t>Once you have access to an environment….</a:t>
             </a:r>
-            <a:endParaRPr sz="2000" dirty="0">
+            <a:endParaRPr sz="2200" dirty="0">
               <a:solidFill>
                 <a:schemeClr val="accent1">
                   <a:lumMod val="75000"/>
@@ -10678,6 +10673,955 @@
 </file>
 
 <file path=ppt/slides/slide6.xml><?xml version="1.0" encoding="utf-8"?>
+<p:sld xmlns:a="http://schemas.openxmlformats.org/drawingml/2006/main" xmlns:r="http://schemas.openxmlformats.org/officeDocument/2006/relationships" xmlns:p="http://schemas.openxmlformats.org/presentationml/2006/main">
+  <p:cSld>
+    <p:spTree>
+      <p:nvGrpSpPr>
+        <p:cNvPr id="1" name=""/>
+        <p:cNvGrpSpPr/>
+        <p:nvPr/>
+      </p:nvGrpSpPr>
+      <p:grpSpPr>
+        <a:xfrm>
+          <a:off x="0" y="0"/>
+          <a:ext cx="0" cy="0"/>
+          <a:chOff x="0" y="0"/>
+          <a:chExt cx="0" cy="0"/>
+        </a:xfrm>
+      </p:grpSpPr>
+      <p:sp>
+        <p:nvSpPr>
+          <p:cNvPr id="3" name="Shape 605"/>
+          <p:cNvSpPr>
+            <a:spLocks noGrp="1"/>
+          </p:cNvSpPr>
+          <p:nvPr>
+            <p:ph type="title"/>
+          </p:nvPr>
+        </p:nvSpPr>
+        <p:spPr>
+          <a:xfrm>
+            <a:off x="386251" y="216018"/>
+            <a:ext cx="8410576" cy="623888"/>
+          </a:xfrm>
+          <a:prstGeom prst="rect">
+            <a:avLst/>
+          </a:prstGeom>
+        </p:spPr>
+        <p:txBody>
+          <a:bodyPr/>
+          <a:lstStyle>
+            <a:lvl1pPr>
+              <a:defRPr>
+                <a:solidFill>
+                  <a:srgbClr val="0F786E"/>
+                </a:solidFill>
+              </a:defRPr>
+            </a:lvl1pPr>
+          </a:lstStyle>
+          <a:p>
+            <a:pPr lvl="0">
+              <a:defRPr sz="1800">
+                <a:solidFill>
+                  <a:srgbClr val="000000"/>
+                </a:solidFill>
+                <a:uFillTx/>
+              </a:defRPr>
+            </a:pPr>
+            <a:r>
+              <a:rPr sz="2800" dirty="0">
+                <a:solidFill>
+                  <a:srgbClr val="0F786E"/>
+                </a:solidFill>
+                <a:uFill>
+                  <a:solidFill>
+                    <a:srgbClr val="008881"/>
+                  </a:solidFill>
+                </a:uFill>
+              </a:rPr>
+              <a:t>Coming Up</a:t>
+            </a:r>
+          </a:p>
+        </p:txBody>
+      </p:sp>
+      <p:sp>
+        <p:nvSpPr>
+          <p:cNvPr id="4" name="Shape 606"/>
+          <p:cNvSpPr txBox="1">
+            <a:spLocks/>
+          </p:cNvSpPr>
+          <p:nvPr/>
+        </p:nvSpPr>
+        <p:spPr>
+          <a:xfrm>
+            <a:off x="347176" y="785565"/>
+            <a:ext cx="8410576" cy="3892129"/>
+          </a:xfrm>
+          <a:prstGeom prst="rect">
+            <a:avLst/>
+          </a:prstGeom>
+        </p:spPr>
+        <p:txBody>
+          <a:bodyPr>
+            <a:normAutofit/>
+          </a:bodyPr>
+          <a:lstStyle>
+            <a:lvl1pPr marL="228600" indent="-228600">
+              <a:spcBef>
+                <a:spcPts val="1200"/>
+              </a:spcBef>
+              <a:buClr>
+                <a:srgbClr val="33928A"/>
+              </a:buClr>
+              <a:buSzPct val="100000"/>
+              <a:buFont typeface="Wingdings"/>
+              <a:buChar char="•"/>
+              <a:defRPr sz="2400">
+                <a:solidFill>
+                  <a:srgbClr val="4D4D4D"/>
+                </a:solidFill>
+                <a:uFill>
+                  <a:solidFill>
+                    <a:srgbClr val="4D4D4D"/>
+                  </a:solidFill>
+                </a:uFill>
+                <a:latin typeface="Arial"/>
+                <a:ea typeface="Arial"/>
+                <a:cs typeface="Arial"/>
+                <a:sym typeface="Arial"/>
+              </a:defRPr>
+            </a:lvl1pPr>
+            <a:lvl2pPr marL="800100" indent="-342900">
+              <a:spcBef>
+                <a:spcPts val="1200"/>
+              </a:spcBef>
+              <a:buClr>
+                <a:srgbClr val="33928A"/>
+              </a:buClr>
+              <a:buSzPct val="100000"/>
+              <a:buFont typeface="Wingdings"/>
+              <a:buChar char="–"/>
+              <a:defRPr sz="2400">
+                <a:solidFill>
+                  <a:srgbClr val="4D4D4D"/>
+                </a:solidFill>
+                <a:uFill>
+                  <a:solidFill>
+                    <a:srgbClr val="4D4D4D"/>
+                  </a:solidFill>
+                </a:uFill>
+                <a:latin typeface="Arial"/>
+                <a:ea typeface="Arial"/>
+                <a:cs typeface="Arial"/>
+                <a:sym typeface="Arial"/>
+              </a:defRPr>
+            </a:lvl2pPr>
+            <a:lvl3pPr marL="1257300" indent="-342900">
+              <a:spcBef>
+                <a:spcPts val="1200"/>
+              </a:spcBef>
+              <a:buClr>
+                <a:srgbClr val="33928A"/>
+              </a:buClr>
+              <a:buSzPct val="100000"/>
+              <a:buFont typeface="Wingdings"/>
+              <a:buChar char="▪"/>
+              <a:defRPr sz="2400">
+                <a:solidFill>
+                  <a:srgbClr val="4D4D4D"/>
+                </a:solidFill>
+                <a:uFill>
+                  <a:solidFill>
+                    <a:srgbClr val="4D4D4D"/>
+                  </a:solidFill>
+                </a:uFill>
+                <a:latin typeface="Arial"/>
+                <a:ea typeface="Arial"/>
+                <a:cs typeface="Arial"/>
+                <a:sym typeface="Arial"/>
+              </a:defRPr>
+            </a:lvl3pPr>
+            <a:lvl4pPr marL="1946276" indent="-574676">
+              <a:spcBef>
+                <a:spcPts val="1200"/>
+              </a:spcBef>
+              <a:buClr>
+                <a:srgbClr val="33928A"/>
+              </a:buClr>
+              <a:buSzPct val="100000"/>
+              <a:buFont typeface="Wingdings"/>
+              <a:buChar char="—"/>
+              <a:defRPr sz="2400">
+                <a:solidFill>
+                  <a:srgbClr val="4D4D4D"/>
+                </a:solidFill>
+                <a:uFill>
+                  <a:solidFill>
+                    <a:srgbClr val="4D4D4D"/>
+                  </a:solidFill>
+                </a:uFill>
+                <a:latin typeface="Arial"/>
+                <a:ea typeface="Arial"/>
+                <a:cs typeface="Arial"/>
+                <a:sym typeface="Arial"/>
+              </a:defRPr>
+            </a:lvl4pPr>
+            <a:lvl5pPr marL="2327563" indent="-498763">
+              <a:spcBef>
+                <a:spcPts val="1200"/>
+              </a:spcBef>
+              <a:buClr>
+                <a:srgbClr val="33928A"/>
+              </a:buClr>
+              <a:buSzPct val="100000"/>
+              <a:buFont typeface="Wingdings"/>
+              <a:buChar char="»"/>
+              <a:defRPr sz="2400">
+                <a:solidFill>
+                  <a:srgbClr val="4D4D4D"/>
+                </a:solidFill>
+                <a:uFill>
+                  <a:solidFill>
+                    <a:srgbClr val="4D4D4D"/>
+                  </a:solidFill>
+                </a:uFill>
+                <a:latin typeface="Arial"/>
+                <a:ea typeface="Arial"/>
+                <a:cs typeface="Arial"/>
+                <a:sym typeface="Arial"/>
+              </a:defRPr>
+            </a:lvl5pPr>
+            <a:lvl6pPr marL="2560320" indent="-274320">
+              <a:spcBef>
+                <a:spcPts val="1200"/>
+              </a:spcBef>
+              <a:buClr>
+                <a:srgbClr val="33928A"/>
+              </a:buClr>
+              <a:buSzPct val="100000"/>
+              <a:buFont typeface="Wingdings"/>
+              <a:buChar char="•"/>
+              <a:defRPr sz="2400">
+                <a:solidFill>
+                  <a:srgbClr val="4D4D4D"/>
+                </a:solidFill>
+                <a:uFill>
+                  <a:solidFill>
+                    <a:srgbClr val="4D4D4D"/>
+                  </a:solidFill>
+                </a:uFill>
+                <a:latin typeface="Arial"/>
+                <a:ea typeface="Arial"/>
+                <a:cs typeface="Arial"/>
+                <a:sym typeface="Arial"/>
+              </a:defRPr>
+            </a:lvl6pPr>
+            <a:lvl7pPr marL="3017520" indent="-274320">
+              <a:spcBef>
+                <a:spcPts val="1200"/>
+              </a:spcBef>
+              <a:buClr>
+                <a:srgbClr val="33928A"/>
+              </a:buClr>
+              <a:buSzPct val="100000"/>
+              <a:buFont typeface="Wingdings"/>
+              <a:buChar char="•"/>
+              <a:defRPr sz="2400">
+                <a:solidFill>
+                  <a:srgbClr val="4D4D4D"/>
+                </a:solidFill>
+                <a:uFill>
+                  <a:solidFill>
+                    <a:srgbClr val="4D4D4D"/>
+                  </a:solidFill>
+                </a:uFill>
+                <a:latin typeface="Arial"/>
+                <a:ea typeface="Arial"/>
+                <a:cs typeface="Arial"/>
+                <a:sym typeface="Arial"/>
+              </a:defRPr>
+            </a:lvl7pPr>
+            <a:lvl8pPr marL="3474720" indent="-274320">
+              <a:spcBef>
+                <a:spcPts val="1200"/>
+              </a:spcBef>
+              <a:buClr>
+                <a:srgbClr val="33928A"/>
+              </a:buClr>
+              <a:buSzPct val="100000"/>
+              <a:buFont typeface="Wingdings"/>
+              <a:buChar char="•"/>
+              <a:defRPr sz="2400">
+                <a:solidFill>
+                  <a:srgbClr val="4D4D4D"/>
+                </a:solidFill>
+                <a:uFill>
+                  <a:solidFill>
+                    <a:srgbClr val="4D4D4D"/>
+                  </a:solidFill>
+                </a:uFill>
+                <a:latin typeface="Arial"/>
+                <a:ea typeface="Arial"/>
+                <a:cs typeface="Arial"/>
+                <a:sym typeface="Arial"/>
+              </a:defRPr>
+            </a:lvl8pPr>
+            <a:lvl9pPr marL="3931920" indent="-274320">
+              <a:spcBef>
+                <a:spcPts val="1200"/>
+              </a:spcBef>
+              <a:buClr>
+                <a:srgbClr val="33928A"/>
+              </a:buClr>
+              <a:buSzPct val="100000"/>
+              <a:buFont typeface="Wingdings"/>
+              <a:buChar char="•"/>
+              <a:defRPr sz="2400">
+                <a:solidFill>
+                  <a:srgbClr val="4D4D4D"/>
+                </a:solidFill>
+                <a:uFill>
+                  <a:solidFill>
+                    <a:srgbClr val="4D4D4D"/>
+                  </a:solidFill>
+                </a:uFill>
+                <a:latin typeface="Arial"/>
+                <a:ea typeface="Arial"/>
+                <a:cs typeface="Arial"/>
+                <a:sym typeface="Arial"/>
+              </a:defRPr>
+            </a:lvl9pPr>
+          </a:lstStyle>
+          <a:p>
+            <a:pPr marL="118871" indent="-118871" defTabSz="475487">
+              <a:lnSpc>
+                <a:spcPct val="120000"/>
+              </a:lnSpc>
+              <a:spcBef>
+                <a:spcPts val="600"/>
+              </a:spcBef>
+              <a:defRPr sz="1800">
+                <a:solidFill>
+                  <a:srgbClr val="000000"/>
+                </a:solidFill>
+                <a:uFillTx/>
+              </a:defRPr>
+            </a:pPr>
+            <a:r>
+              <a:rPr lang="en-US" sz="1600" dirty="0" smtClean="0">
+                <a:solidFill>
+                  <a:srgbClr val="5E5E5E"/>
+                </a:solidFill>
+                <a:latin typeface="Avenir Next Demi Bold"/>
+                <a:ea typeface="Avenir Next Demi Bold"/>
+                <a:cs typeface="Avenir Next Demi Bold"/>
+                <a:sym typeface="Avenir Next Demi Bold"/>
+              </a:rPr>
+              <a:t> Break (60</a:t>
+            </a:r>
+            <a:r>
+              <a:rPr lang="en-US" sz="1600" dirty="0" smtClean="0">
+                <a:solidFill>
+                  <a:srgbClr val="5E5E5E"/>
+                </a:solidFill>
+                <a:latin typeface="Avenir Next Demi Bold"/>
+                <a:ea typeface="Avenir Next Demi Bold"/>
+                <a:cs typeface="Avenir Next Demi Bold"/>
+                <a:sym typeface="Avenir Next Demi Bold"/>
+              </a:rPr>
+              <a:t>’</a:t>
+            </a:r>
+            <a:r>
+              <a:rPr lang="en-US" sz="1600" dirty="0" smtClean="0">
+                <a:solidFill>
+                  <a:srgbClr val="5E5E5E"/>
+                </a:solidFill>
+                <a:latin typeface="Avenir Next Demi Bold"/>
+                <a:ea typeface="Avenir Next Demi Bold"/>
+                <a:cs typeface="Avenir Next Demi Bold"/>
+                <a:sym typeface="Avenir Next Demi Bold"/>
+              </a:rPr>
+              <a:t>) – Lunch!!</a:t>
+            </a:r>
+          </a:p>
+          <a:p>
+            <a:pPr marL="118871" indent="-118871" defTabSz="475487">
+              <a:lnSpc>
+                <a:spcPct val="120000"/>
+              </a:lnSpc>
+              <a:spcBef>
+                <a:spcPts val="600"/>
+              </a:spcBef>
+              <a:defRPr sz="1800">
+                <a:solidFill>
+                  <a:srgbClr val="000000"/>
+                </a:solidFill>
+                <a:uFillTx/>
+              </a:defRPr>
+            </a:pPr>
+            <a:r>
+              <a:rPr lang="en-US" sz="1600" dirty="0" smtClean="0">
+                <a:solidFill>
+                  <a:srgbClr val="5E5E5E"/>
+                </a:solidFill>
+                <a:latin typeface="Avenir Next Demi Bold"/>
+                <a:ea typeface="Avenir Next Demi Bold"/>
+                <a:cs typeface="Avenir Next Demi Bold"/>
+                <a:sym typeface="Avenir Next Demi Bold"/>
+              </a:rPr>
+              <a:t> </a:t>
+            </a:r>
+            <a:r>
+              <a:rPr lang="en-US" sz="1600" dirty="0" err="1" smtClean="0">
+                <a:solidFill>
+                  <a:srgbClr val="5E5E5E"/>
+                </a:solidFill>
+                <a:latin typeface="Avenir Next Demi Bold"/>
+                <a:ea typeface="Avenir Next Demi Bold"/>
+                <a:cs typeface="Avenir Next Demi Bold"/>
+                <a:sym typeface="Avenir Next Demi Bold"/>
+              </a:rPr>
+              <a:t>GemFire</a:t>
+            </a:r>
+            <a:r>
+              <a:rPr lang="en-US" sz="1600" dirty="0" smtClean="0">
+                <a:solidFill>
+                  <a:srgbClr val="5E5E5E"/>
+                </a:solidFill>
+                <a:latin typeface="Avenir Next Demi Bold"/>
+                <a:ea typeface="Avenir Next Demi Bold"/>
+                <a:cs typeface="Avenir Next Demi Bold"/>
+                <a:sym typeface="Avenir Next Demi Bold"/>
+              </a:rPr>
+              <a:t> </a:t>
+            </a:r>
+            <a:r>
+              <a:rPr lang="en-US" sz="1600" dirty="0">
+                <a:solidFill>
+                  <a:srgbClr val="5E5E5E"/>
+                </a:solidFill>
+                <a:latin typeface="Avenir Next Demi Bold"/>
+                <a:ea typeface="Avenir Next Demi Bold"/>
+                <a:cs typeface="Avenir Next Demi Bold"/>
+                <a:sym typeface="Avenir Next Demi Bold"/>
+              </a:rPr>
+              <a:t>Lab </a:t>
+            </a:r>
+            <a:r>
+              <a:rPr lang="en-US" sz="1600" dirty="0" smtClean="0">
+                <a:solidFill>
+                  <a:srgbClr val="5E5E5E"/>
+                </a:solidFill>
+                <a:latin typeface="Avenir Next Demi Bold"/>
+                <a:ea typeface="Avenir Next Demi Bold"/>
+                <a:cs typeface="Avenir Next Demi Bold"/>
+                <a:sym typeface="Avenir Next Demi Bold"/>
+              </a:rPr>
+              <a:t>(40</a:t>
+            </a:r>
+            <a:r>
+              <a:rPr lang="en-US" sz="1600" dirty="0" smtClean="0">
+                <a:solidFill>
+                  <a:srgbClr val="5E5E5E"/>
+                </a:solidFill>
+                <a:latin typeface="Avenir Next Demi Bold"/>
+                <a:ea typeface="Avenir Next Demi Bold"/>
+                <a:cs typeface="Avenir Next Demi Bold"/>
+                <a:sym typeface="Avenir Next Demi Bold"/>
+              </a:rPr>
+              <a:t>'</a:t>
+            </a:r>
+            <a:r>
+              <a:rPr lang="en-US" sz="1600" dirty="0" smtClean="0">
+                <a:solidFill>
+                  <a:srgbClr val="5E5E5E"/>
+                </a:solidFill>
+                <a:latin typeface="Avenir Next Demi Bold"/>
+                <a:ea typeface="Avenir Next Demi Bold"/>
+                <a:cs typeface="Avenir Next Demi Bold"/>
+                <a:sym typeface="Avenir Next Demi Bold"/>
+              </a:rPr>
+              <a:t>)</a:t>
+            </a:r>
+            <a:endParaRPr lang="en-US" sz="1600" dirty="0">
+              <a:solidFill>
+                <a:srgbClr val="5E5E5E"/>
+              </a:solidFill>
+              <a:latin typeface="Avenir Next Demi Bold"/>
+              <a:ea typeface="Avenir Next Demi Bold"/>
+              <a:cs typeface="Avenir Next Demi Bold"/>
+              <a:sym typeface="Avenir Next Demi Bold"/>
+            </a:endParaRPr>
+          </a:p>
+          <a:p>
+            <a:pPr marL="356615" lvl="1" indent="-118871" defTabSz="475487">
+              <a:lnSpc>
+                <a:spcPct val="120000"/>
+              </a:lnSpc>
+              <a:spcBef>
+                <a:spcPts val="600"/>
+              </a:spcBef>
+              <a:buFont typeface="Wingdings"/>
+              <a:buChar char="•"/>
+              <a:defRPr sz="1800">
+                <a:solidFill>
+                  <a:srgbClr val="000000"/>
+                </a:solidFill>
+                <a:uFillTx/>
+              </a:defRPr>
+            </a:pPr>
+            <a:r>
+              <a:rPr lang="en-US" sz="1600" dirty="0" smtClean="0">
+                <a:solidFill>
+                  <a:srgbClr val="5E5E5E"/>
+                </a:solidFill>
+              </a:rPr>
+              <a:t> </a:t>
+            </a:r>
+            <a:r>
+              <a:rPr lang="en-US" sz="1600" dirty="0">
+                <a:solidFill>
+                  <a:srgbClr val="5E5E5E"/>
+                </a:solidFill>
+              </a:rPr>
+              <a:t> First steps with Pivotal </a:t>
+            </a:r>
+            <a:r>
+              <a:rPr lang="en-US" sz="1600" dirty="0" err="1" smtClean="0">
+                <a:solidFill>
+                  <a:srgbClr val="5E5E5E"/>
+                </a:solidFill>
+              </a:rPr>
+              <a:t>GemFire</a:t>
+            </a:r>
+            <a:endParaRPr lang="en-US" sz="1600" dirty="0">
+              <a:solidFill>
+                <a:srgbClr val="5E5E5E"/>
+              </a:solidFill>
+            </a:endParaRPr>
+          </a:p>
+          <a:p>
+            <a:pPr marL="356615" lvl="1" indent="-118871" defTabSz="475487">
+              <a:lnSpc>
+                <a:spcPct val="120000"/>
+              </a:lnSpc>
+              <a:spcBef>
+                <a:spcPts val="600"/>
+              </a:spcBef>
+              <a:buFont typeface="Wingdings"/>
+              <a:buChar char="•"/>
+              <a:defRPr sz="1800">
+                <a:solidFill>
+                  <a:srgbClr val="000000"/>
+                </a:solidFill>
+                <a:uFillTx/>
+              </a:defRPr>
+            </a:pPr>
+            <a:r>
+              <a:rPr lang="en-US" sz="1600" dirty="0" smtClean="0">
+                <a:solidFill>
+                  <a:srgbClr val="5E5E5E"/>
+                </a:solidFill>
+              </a:rPr>
+              <a:t> Learn (…)</a:t>
+            </a:r>
+            <a:endParaRPr lang="en-US" sz="1600" dirty="0">
+              <a:solidFill>
+                <a:srgbClr val="5E5E5E"/>
+              </a:solidFill>
+            </a:endParaRPr>
+          </a:p>
+          <a:p>
+            <a:pPr marL="118871" indent="-118871" defTabSz="475487">
+              <a:lnSpc>
+                <a:spcPct val="120000"/>
+              </a:lnSpc>
+              <a:spcBef>
+                <a:spcPts val="600"/>
+              </a:spcBef>
+              <a:defRPr sz="1800">
+                <a:solidFill>
+                  <a:srgbClr val="000000"/>
+                </a:solidFill>
+                <a:uFillTx/>
+              </a:defRPr>
+            </a:pPr>
+            <a:r>
+              <a:rPr lang="en-US" sz="1600" dirty="0" smtClean="0">
+                <a:solidFill>
+                  <a:srgbClr val="5E5E5E"/>
+                </a:solidFill>
+                <a:latin typeface="Avenir Next Demi Bold"/>
+                <a:ea typeface="Avenir Next Demi Bold"/>
+                <a:cs typeface="Avenir Next Demi Bold"/>
+                <a:sym typeface="Avenir Next Demi Bold"/>
+              </a:rPr>
+              <a:t> Pivotal HD + </a:t>
+            </a:r>
+            <a:r>
+              <a:rPr lang="en-US" sz="1600" dirty="0" err="1" smtClean="0">
+                <a:solidFill>
+                  <a:srgbClr val="5E5E5E"/>
+                </a:solidFill>
+                <a:latin typeface="Avenir Next Demi Bold"/>
+                <a:ea typeface="Avenir Next Demi Bold"/>
+                <a:cs typeface="Avenir Next Demi Bold"/>
+                <a:sym typeface="Avenir Next Demi Bold"/>
+              </a:rPr>
+              <a:t>Hawq</a:t>
+            </a:r>
+            <a:r>
+              <a:rPr lang="en-US" sz="1600" dirty="0" smtClean="0">
+                <a:solidFill>
+                  <a:srgbClr val="5E5E5E"/>
+                </a:solidFill>
+                <a:latin typeface="Avenir Next Demi Bold"/>
+                <a:ea typeface="Avenir Next Demi Bold"/>
+                <a:cs typeface="Avenir Next Demi Bold"/>
+                <a:sym typeface="Avenir Next Demi Bold"/>
+              </a:rPr>
+              <a:t> Lab (40</a:t>
+            </a:r>
+            <a:r>
+              <a:rPr lang="en-US" sz="1600" dirty="0" smtClean="0">
+                <a:solidFill>
+                  <a:srgbClr val="5E5E5E"/>
+                </a:solidFill>
+                <a:latin typeface="Avenir Next Demi Bold"/>
+                <a:ea typeface="Avenir Next Demi Bold"/>
+                <a:cs typeface="Avenir Next Demi Bold"/>
+                <a:sym typeface="Avenir Next Demi Bold"/>
+              </a:rPr>
+              <a:t>'</a:t>
+            </a:r>
+            <a:r>
+              <a:rPr lang="en-US" sz="1600" dirty="0" smtClean="0">
+                <a:solidFill>
+                  <a:srgbClr val="5E5E5E"/>
+                </a:solidFill>
+                <a:latin typeface="Avenir Next Demi Bold"/>
+                <a:ea typeface="Avenir Next Demi Bold"/>
+                <a:cs typeface="Avenir Next Demi Bold"/>
+                <a:sym typeface="Avenir Next Demi Bold"/>
+              </a:rPr>
+              <a:t>)</a:t>
+            </a:r>
+            <a:endParaRPr lang="en-US" sz="1600" dirty="0">
+              <a:solidFill>
+                <a:srgbClr val="5E5E5E"/>
+              </a:solidFill>
+              <a:latin typeface="Avenir Next Demi Bold"/>
+              <a:ea typeface="Avenir Next Demi Bold"/>
+              <a:cs typeface="Avenir Next Demi Bold"/>
+              <a:sym typeface="Avenir Next Demi Bold"/>
+            </a:endParaRPr>
+          </a:p>
+          <a:p>
+            <a:pPr marL="356615" lvl="1" indent="-118871" defTabSz="475487">
+              <a:lnSpc>
+                <a:spcPct val="120000"/>
+              </a:lnSpc>
+              <a:spcBef>
+                <a:spcPts val="600"/>
+              </a:spcBef>
+              <a:buFont typeface="Wingdings"/>
+              <a:buChar char="•"/>
+              <a:defRPr sz="1800">
+                <a:solidFill>
+                  <a:srgbClr val="000000"/>
+                </a:solidFill>
+                <a:uFillTx/>
+              </a:defRPr>
+            </a:pPr>
+            <a:r>
+              <a:rPr lang="en-US" sz="1600" dirty="0" smtClean="0">
+                <a:solidFill>
+                  <a:srgbClr val="5E5E5E"/>
+                </a:solidFill>
+              </a:rPr>
+              <a:t> First steps with Pivotal HD and </a:t>
+            </a:r>
+            <a:r>
+              <a:rPr lang="en-US" sz="1600" dirty="0" err="1" smtClean="0">
+                <a:solidFill>
+                  <a:srgbClr val="5E5E5E"/>
+                </a:solidFill>
+              </a:rPr>
+              <a:t>Hawq</a:t>
+            </a:r>
+            <a:endParaRPr lang="en-US" sz="1600" dirty="0">
+              <a:solidFill>
+                <a:srgbClr val="5E5E5E"/>
+              </a:solidFill>
+            </a:endParaRPr>
+          </a:p>
+          <a:p>
+            <a:pPr marL="356615" lvl="1" indent="-118871" defTabSz="475487">
+              <a:lnSpc>
+                <a:spcPct val="120000"/>
+              </a:lnSpc>
+              <a:spcBef>
+                <a:spcPts val="600"/>
+              </a:spcBef>
+              <a:buFont typeface="Wingdings"/>
+              <a:buChar char="•"/>
+              <a:defRPr sz="1800">
+                <a:solidFill>
+                  <a:srgbClr val="000000"/>
+                </a:solidFill>
+                <a:uFillTx/>
+              </a:defRPr>
+            </a:pPr>
+            <a:r>
+              <a:rPr lang="en-US" sz="1600" dirty="0" smtClean="0">
+                <a:solidFill>
+                  <a:srgbClr val="5E5E5E"/>
+                </a:solidFill>
+              </a:rPr>
+              <a:t> Learn (…)</a:t>
+            </a:r>
+            <a:endParaRPr lang="en-US" sz="1600" dirty="0">
+              <a:solidFill>
+                <a:srgbClr val="5E5E5E"/>
+              </a:solidFill>
+            </a:endParaRPr>
+          </a:p>
+          <a:p>
+            <a:pPr marL="118871" indent="-118871" defTabSz="475487">
+              <a:lnSpc>
+                <a:spcPct val="120000"/>
+              </a:lnSpc>
+              <a:spcBef>
+                <a:spcPts val="600"/>
+              </a:spcBef>
+              <a:defRPr sz="1800">
+                <a:solidFill>
+                  <a:srgbClr val="000000"/>
+                </a:solidFill>
+                <a:uFillTx/>
+              </a:defRPr>
+            </a:pPr>
+            <a:r>
+              <a:rPr lang="en-US" sz="1600" dirty="0" smtClean="0">
+                <a:solidFill>
+                  <a:srgbClr val="5E5E5E"/>
+                </a:solidFill>
+                <a:latin typeface="Avenir Next Demi Bold"/>
+                <a:ea typeface="Avenir Next Demi Bold"/>
+                <a:cs typeface="Avenir Next Demi Bold"/>
+                <a:sym typeface="Avenir Next Demi Bold"/>
+              </a:rPr>
+              <a:t> Data Streaming with Spring XD Lab (+ </a:t>
+            </a:r>
+            <a:r>
+              <a:rPr lang="en-US" sz="1600" dirty="0" err="1" smtClean="0">
+                <a:solidFill>
+                  <a:srgbClr val="5E5E5E"/>
+                </a:solidFill>
+                <a:latin typeface="Avenir Next Demi Bold"/>
+                <a:ea typeface="Avenir Next Demi Bold"/>
+                <a:cs typeface="Avenir Next Demi Bold"/>
+                <a:sym typeface="Avenir Next Demi Bold"/>
+              </a:rPr>
+              <a:t>GemFire</a:t>
+            </a:r>
+            <a:r>
+              <a:rPr lang="en-US" sz="1600" dirty="0" smtClean="0">
+                <a:solidFill>
+                  <a:srgbClr val="5E5E5E"/>
+                </a:solidFill>
+                <a:latin typeface="Avenir Next Demi Bold"/>
+                <a:ea typeface="Avenir Next Demi Bold"/>
+                <a:cs typeface="Avenir Next Demi Bold"/>
+                <a:sym typeface="Avenir Next Demi Bold"/>
+              </a:rPr>
+              <a:t> and Pivotal HD / </a:t>
+            </a:r>
+            <a:r>
+              <a:rPr lang="en-US" sz="1600" dirty="0" err="1" smtClean="0">
+                <a:solidFill>
+                  <a:srgbClr val="5E5E5E"/>
+                </a:solidFill>
+                <a:latin typeface="Avenir Next Demi Bold"/>
+                <a:ea typeface="Avenir Next Demi Bold"/>
+                <a:cs typeface="Avenir Next Demi Bold"/>
+                <a:sym typeface="Avenir Next Demi Bold"/>
+              </a:rPr>
+              <a:t>Hawq</a:t>
+            </a:r>
+            <a:r>
+              <a:rPr lang="en-US" sz="1600" dirty="0" smtClean="0">
+                <a:solidFill>
+                  <a:srgbClr val="5E5E5E"/>
+                </a:solidFill>
+                <a:latin typeface="Avenir Next Demi Bold"/>
+                <a:ea typeface="Avenir Next Demi Bold"/>
+                <a:cs typeface="Avenir Next Demi Bold"/>
+                <a:sym typeface="Avenir Next Demi Bold"/>
+              </a:rPr>
+              <a:t>) – 40</a:t>
+            </a:r>
+            <a:r>
+              <a:rPr lang="en-US" sz="1600" dirty="0">
+                <a:solidFill>
+                  <a:srgbClr val="5E5E5E"/>
+                </a:solidFill>
+                <a:latin typeface="Avenir Next Demi Bold"/>
+                <a:ea typeface="Avenir Next Demi Bold"/>
+                <a:cs typeface="Avenir Next Demi Bold"/>
+                <a:sym typeface="Avenir Next Demi Bold"/>
+              </a:rPr>
+              <a:t>'</a:t>
+            </a:r>
+            <a:endParaRPr lang="en-US" sz="1600" dirty="0" smtClean="0">
+              <a:solidFill>
+                <a:srgbClr val="5E5E5E"/>
+              </a:solidFill>
+              <a:latin typeface="Avenir Next Demi Bold"/>
+              <a:ea typeface="Avenir Next Demi Bold"/>
+              <a:cs typeface="Avenir Next Demi Bold"/>
+              <a:sym typeface="Avenir Next Demi Bold"/>
+            </a:endParaRPr>
+          </a:p>
+          <a:p>
+            <a:pPr marL="356615" lvl="1" indent="-118871" defTabSz="475487">
+              <a:lnSpc>
+                <a:spcPct val="120000"/>
+              </a:lnSpc>
+              <a:spcBef>
+                <a:spcPts val="600"/>
+              </a:spcBef>
+              <a:buFont typeface="Wingdings"/>
+              <a:buChar char="•"/>
+              <a:defRPr sz="1800">
+                <a:solidFill>
+                  <a:srgbClr val="000000"/>
+                </a:solidFill>
+                <a:uFillTx/>
+              </a:defRPr>
+            </a:pPr>
+            <a:r>
+              <a:rPr lang="en-US" sz="1600" dirty="0" smtClean="0">
+                <a:solidFill>
+                  <a:srgbClr val="5E5E5E"/>
+                </a:solidFill>
+              </a:rPr>
+              <a:t> First steps with Spring XD</a:t>
+            </a:r>
+          </a:p>
+          <a:p>
+            <a:pPr marL="356615" lvl="1" indent="-118871" defTabSz="475487">
+              <a:lnSpc>
+                <a:spcPct val="120000"/>
+              </a:lnSpc>
+              <a:spcBef>
+                <a:spcPts val="600"/>
+              </a:spcBef>
+              <a:buFont typeface="Wingdings"/>
+              <a:buChar char="•"/>
+              <a:defRPr sz="1800">
+                <a:solidFill>
+                  <a:srgbClr val="000000"/>
+                </a:solidFill>
+                <a:uFillTx/>
+              </a:defRPr>
+            </a:pPr>
+            <a:r>
+              <a:rPr lang="en-US" sz="1600" dirty="0">
+                <a:solidFill>
+                  <a:srgbClr val="5E5E5E"/>
+                </a:solidFill>
+              </a:rPr>
+              <a:t> </a:t>
+            </a:r>
+            <a:r>
+              <a:rPr lang="en-US" sz="1600" dirty="0" smtClean="0">
+                <a:solidFill>
+                  <a:srgbClr val="5E5E5E"/>
+                </a:solidFill>
+              </a:rPr>
+              <a:t>Learn how to build a Data Stream Pipeline using Spring XD</a:t>
+            </a:r>
+          </a:p>
+        </p:txBody>
+      </p:sp>
+      <p:sp>
+        <p:nvSpPr>
+          <p:cNvPr id="5" name="Shape 607"/>
+          <p:cNvSpPr>
+            <a:spLocks noGrp="1"/>
+          </p:cNvSpPr>
+          <p:nvPr>
+            <p:ph type="sldNum" sz="quarter" idx="2"/>
+          </p:nvPr>
+        </p:nvSpPr>
+        <p:spPr>
+          <a:xfrm>
+            <a:off x="8553450" y="5021495"/>
+            <a:ext cx="533400" cy="127001"/>
+          </a:xfrm>
+          <a:prstGeom prst="rect">
+            <a:avLst/>
+          </a:prstGeom>
+          <a:extLst>
+            <a:ext uri="{C572A759-6A51-4108-AA02-DFA0A04FC94B}">
+              <ma14:wrappingTextBoxFlag xmlns:ma14="http://schemas.microsoft.com/office/mac/drawingml/2011/main" val="1"/>
+            </a:ext>
+          </a:extLst>
+        </p:spPr>
+        <p:txBody>
+          <a:bodyPr/>
+          <a:lstStyle/>
+          <a:p>
+            <a:pPr lvl="0">
+              <a:defRPr sz="1800">
+                <a:solidFill>
+                  <a:srgbClr val="000000"/>
+                </a:solidFill>
+                <a:uFillTx/>
+              </a:defRPr>
+            </a:pPr>
+            <a:fld id="{86CB4B4D-7CA3-9044-876B-883B54F8677D}" type="slidenum">
+              <a:rPr sz="800">
+                <a:solidFill>
+                  <a:srgbClr val="808080"/>
+                </a:solidFill>
+                <a:uFill>
+                  <a:solidFill>
+                    <a:srgbClr val="808080"/>
+                  </a:solidFill>
+                </a:uFill>
+              </a:rPr>
+              <a:t>6</a:t>
+            </a:fld>
+            <a:endParaRPr sz="800">
+              <a:solidFill>
+                <a:srgbClr val="808080"/>
+              </a:solidFill>
+              <a:uFill>
+                <a:solidFill>
+                  <a:srgbClr val="808080"/>
+                </a:solidFill>
+              </a:uFill>
+            </a:endParaRPr>
+          </a:p>
+        </p:txBody>
+      </p:sp>
+    </p:spTree>
+    <p:extLst>
+      <p:ext uri="{BB962C8B-B14F-4D97-AF65-F5344CB8AC3E}">
+        <p14:creationId xmlns:p14="http://schemas.microsoft.com/office/powerpoint/2010/main" val="3643737885"/>
+      </p:ext>
+    </p:extLst>
+  </p:cSld>
+  <p:clrMapOvr>
+    <a:masterClrMapping/>
+  </p:clrMapOvr>
+  <p:transition xmlns:p14="http://schemas.microsoft.com/office/powerpoint/2010/main" spd="med"/>
+</p:sld>
+</file>
+
+<file path=ppt/slides/slide7.xml><?xml version="1.0" encoding="utf-8"?>
 <p:sld xmlns:a="http://schemas.openxmlformats.org/drawingml/2006/main" xmlns:r="http://schemas.openxmlformats.org/officeDocument/2006/relationships" xmlns:p="http://schemas.openxmlformats.org/presentationml/2006/main">
   <p:cSld>
     <p:spTree>

--- a/labs/preparing_labs.pptx
+++ b/labs/preparing_labs.pptx
@@ -10503,8 +10503,8 @@
         </p:blipFill>
         <p:spPr>
           <a:xfrm>
-            <a:off x="693617" y="639873"/>
-            <a:ext cx="7789914" cy="3977982"/>
+            <a:off x="732693" y="649642"/>
+            <a:ext cx="7502768" cy="3831349"/>
           </a:xfrm>
           <a:prstGeom prst="rect">
             <a:avLst/>

--- a/labs/preparing_labs.pptx
+++ b/labs/preparing_labs.pptx
@@ -5,16 +5,17 @@
     <p:sldMasterId id="2147483648" r:id="rId1"/>
   </p:sldMasterIdLst>
   <p:notesMasterIdLst>
-    <p:notesMasterId r:id="rId9"/>
+    <p:notesMasterId r:id="rId10"/>
   </p:notesMasterIdLst>
   <p:sldIdLst>
     <p:sldId id="338" r:id="rId2"/>
     <p:sldId id="339" r:id="rId3"/>
     <p:sldId id="450" r:id="rId4"/>
     <p:sldId id="435" r:id="rId5"/>
-    <p:sldId id="442" r:id="rId6"/>
-    <p:sldId id="451" r:id="rId7"/>
-    <p:sldId id="429" r:id="rId8"/>
+    <p:sldId id="452" r:id="rId6"/>
+    <p:sldId id="442" r:id="rId7"/>
+    <p:sldId id="451" r:id="rId8"/>
+    <p:sldId id="429" r:id="rId9"/>
   </p:sldIdLst>
   <p:sldSz cx="9144000" cy="5143500" type="screen16x9"/>
   <p:notesSz cx="6858000" cy="9144000"/>
@@ -10489,6 +10490,367 @@
       </p:grpSpPr>
       <p:pic>
         <p:nvPicPr>
+          <p:cNvPr id="11" name="Picture 10"/>
+          <p:cNvPicPr>
+            <a:picLocks noChangeAspect="1"/>
+          </p:cNvPicPr>
+          <p:nvPr/>
+        </p:nvPicPr>
+        <p:blipFill>
+          <a:blip r:embed="rId2"/>
+          <a:stretch>
+            <a:fillRect/>
+          </a:stretch>
+        </p:blipFill>
+        <p:spPr>
+          <a:xfrm>
+            <a:off x="2579656" y="1143007"/>
+            <a:ext cx="3958922" cy="2217615"/>
+          </a:xfrm>
+          <a:prstGeom prst="rect">
+            <a:avLst/>
+          </a:prstGeom>
+          <a:effectLst>
+            <a:innerShdw blurRad="63500" dist="50800" dir="13500000">
+              <a:srgbClr val="000000">
+                <a:alpha val="50000"/>
+              </a:srgbClr>
+            </a:innerShdw>
+          </a:effectLst>
+        </p:spPr>
+      </p:pic>
+      <p:sp>
+        <p:nvSpPr>
+          <p:cNvPr id="86" name="Shape 978"/>
+          <p:cNvSpPr/>
+          <p:nvPr/>
+        </p:nvSpPr>
+        <p:spPr>
+          <a:xfrm>
+            <a:off x="380962" y="223326"/>
+            <a:ext cx="5783423" cy="345061"/>
+          </a:xfrm>
+          <a:prstGeom prst="rect">
+            <a:avLst/>
+          </a:prstGeom>
+          <a:ln w="12700">
+            <a:miter lim="400000"/>
+          </a:ln>
+          <a:extLst>
+            <a:ext uri="{C572A759-6A51-4108-AA02-DFA0A04FC94B}">
+              <ma14:wrappingTextBoxFlag xmlns:ma14="http://schemas.microsoft.com/office/mac/drawingml/2011/main" val="1"/>
+            </a:ext>
+          </a:extLst>
+        </p:spPr>
+        <p:txBody>
+          <a:bodyPr lIns="0" tIns="0" rIns="0" bIns="0"/>
+          <a:lstStyle>
+            <a:lvl1pPr algn="ctr">
+              <a:defRPr sz="1700">
+                <a:solidFill>
+                  <a:srgbClr val="C2632E"/>
+                </a:solidFill>
+                <a:uFillTx/>
+                <a:latin typeface="Avenir Next Demi Bold"/>
+                <a:ea typeface="Avenir Next Demi Bold"/>
+                <a:cs typeface="Avenir Next Demi Bold"/>
+                <a:sym typeface="Avenir Next Demi Bold"/>
+              </a:defRPr>
+            </a:lvl1pPr>
+          </a:lstStyle>
+          <a:p>
+            <a:pPr lvl="0" algn="l">
+              <a:defRPr sz="1800">
+                <a:solidFill>
+                  <a:srgbClr val="000000"/>
+                </a:solidFill>
+              </a:defRPr>
+            </a:pPr>
+            <a:r>
+              <a:rPr lang="x-none" sz="2400" dirty="0" smtClean="0">
+                <a:solidFill>
+                  <a:srgbClr val="266D68"/>
+                </a:solidFill>
+                <a:latin typeface="Arial"/>
+                <a:cs typeface="Arial"/>
+              </a:rPr>
+              <a:t>Roadshow Labs environment credentials</a:t>
+            </a:r>
+            <a:endParaRPr sz="2400" dirty="0">
+              <a:solidFill>
+                <a:srgbClr val="266D68"/>
+              </a:solidFill>
+              <a:latin typeface="Arial"/>
+              <a:cs typeface="Arial"/>
+            </a:endParaRPr>
+          </a:p>
+        </p:txBody>
+      </p:sp>
+      <p:pic>
+        <p:nvPicPr>
+          <p:cNvPr id="2" name="Picture 1"/>
+          <p:cNvPicPr>
+            <a:picLocks noChangeAspect="1"/>
+          </p:cNvPicPr>
+          <p:nvPr/>
+        </p:nvPicPr>
+        <p:blipFill>
+          <a:blip r:embed="rId3"/>
+          <a:stretch>
+            <a:fillRect/>
+          </a:stretch>
+        </p:blipFill>
+        <p:spPr>
+          <a:xfrm>
+            <a:off x="380960" y="2119924"/>
+            <a:ext cx="2139460" cy="2139460"/>
+          </a:xfrm>
+          <a:prstGeom prst="rect">
+            <a:avLst/>
+          </a:prstGeom>
+        </p:spPr>
+      </p:pic>
+      <p:pic>
+        <p:nvPicPr>
+          <p:cNvPr id="5" name="Picture 4"/>
+          <p:cNvPicPr>
+            <a:picLocks noChangeAspect="1"/>
+          </p:cNvPicPr>
+          <p:nvPr/>
+        </p:nvPicPr>
+        <p:blipFill>
+          <a:blip r:embed="rId4"/>
+          <a:stretch>
+            <a:fillRect/>
+          </a:stretch>
+        </p:blipFill>
+        <p:spPr>
+          <a:xfrm>
+            <a:off x="1208294" y="1604800"/>
+            <a:ext cx="1381131" cy="1381131"/>
+          </a:xfrm>
+          <a:prstGeom prst="rect">
+            <a:avLst/>
+          </a:prstGeom>
+        </p:spPr>
+      </p:pic>
+      <p:sp>
+        <p:nvSpPr>
+          <p:cNvPr id="10" name="TextBox 9"/>
+          <p:cNvSpPr txBox="1"/>
+          <p:nvPr/>
+        </p:nvSpPr>
+        <p:spPr>
+          <a:xfrm>
+            <a:off x="2862382" y="3540180"/>
+            <a:ext cx="3425325" cy="954105"/>
+          </a:xfrm>
+          <a:prstGeom prst="rect">
+            <a:avLst/>
+          </a:prstGeom>
+          <a:noFill/>
+          <a:ln w="12700" cap="flat">
+            <a:noFill/>
+            <a:miter lim="400000"/>
+          </a:ln>
+          <a:effectLst/>
+        </p:spPr>
+        <p:style>
+          <a:lnRef idx="0">
+            <a:scrgbClr r="0" g="0" b="0"/>
+          </a:lnRef>
+          <a:fillRef idx="0">
+            <a:scrgbClr r="0" g="0" b="0"/>
+          </a:fillRef>
+          <a:effectRef idx="0">
+            <a:scrgbClr r="0" g="0" b="0"/>
+          </a:effectRef>
+          <a:fontRef idx="none"/>
+        </p:style>
+        <p:txBody>
+          <a:bodyPr rot="0" spcFirstLastPara="1" vertOverflow="overflow" horzOverflow="overflow" vert="horz" wrap="none" lIns="45719" tIns="45719" rIns="45719" bIns="45719" numCol="1" spcCol="38100" rtlCol="0" anchor="t">
+            <a:spAutoFit/>
+          </a:bodyPr>
+          <a:lstStyle/>
+          <a:p>
+            <a:pPr marL="0" marR="0" indent="0" algn="l" defTabSz="914400" rtl="0" fontAlgn="auto" latinLnBrk="1" hangingPunct="0">
+              <a:lnSpc>
+                <a:spcPct val="100000"/>
+              </a:lnSpc>
+              <a:spcBef>
+                <a:spcPts val="0"/>
+              </a:spcBef>
+              <a:spcAft>
+                <a:spcPts val="0"/>
+              </a:spcAft>
+              <a:buClrTx/>
+              <a:buSzTx/>
+              <a:buFontTx/>
+              <a:buNone/>
+              <a:tabLst/>
+            </a:pPr>
+            <a:r>
+              <a:rPr kumimoji="0" lang="en-US" sz="2800" b="0" i="0" u="none" strike="noStrike" cap="none" spc="0" normalizeH="0" baseline="0" dirty="0" smtClean="0">
+                <a:ln>
+                  <a:noFill/>
+                </a:ln>
+                <a:solidFill>
+                  <a:schemeClr val="tx2"/>
+                </a:solidFill>
+                <a:effectLst/>
+                <a:uFill>
+                  <a:solidFill>
+                    <a:srgbClr val="4D4D4D"/>
+                  </a:solidFill>
+                </a:uFill>
+                <a:sym typeface="Arial"/>
+              </a:rPr>
+              <a:t>Username:  </a:t>
+            </a:r>
+            <a:r>
+              <a:rPr kumimoji="0" lang="en-US" sz="2800" b="0" i="0" u="none" strike="noStrike" cap="none" spc="0" normalizeH="0" baseline="0" dirty="0" err="1" smtClean="0">
+                <a:ln>
+                  <a:noFill/>
+                </a:ln>
+                <a:solidFill>
+                  <a:schemeClr val="accent1">
+                    <a:lumMod val="75000"/>
+                  </a:schemeClr>
+                </a:solidFill>
+                <a:effectLst/>
+                <a:uFill>
+                  <a:solidFill>
+                    <a:srgbClr val="4D4D4D"/>
+                  </a:solidFill>
+                </a:uFill>
+                <a:sym typeface="Arial"/>
+              </a:rPr>
+              <a:t>gpadmin</a:t>
+            </a:r>
+            <a:endParaRPr kumimoji="0" lang="en-US" sz="2800" b="0" i="0" u="none" strike="noStrike" cap="none" spc="0" normalizeH="0" baseline="0" dirty="0" smtClean="0">
+              <a:ln>
+                <a:noFill/>
+              </a:ln>
+              <a:solidFill>
+                <a:schemeClr val="accent1">
+                  <a:lumMod val="75000"/>
+                </a:schemeClr>
+              </a:solidFill>
+              <a:effectLst/>
+              <a:uFill>
+                <a:solidFill>
+                  <a:srgbClr val="4D4D4D"/>
+                </a:solidFill>
+              </a:uFill>
+              <a:sym typeface="Arial"/>
+            </a:endParaRPr>
+          </a:p>
+          <a:p>
+            <a:pPr marL="0" marR="0" indent="0" algn="l" defTabSz="914400" rtl="0" fontAlgn="auto" latinLnBrk="1" hangingPunct="0">
+              <a:lnSpc>
+                <a:spcPct val="100000"/>
+              </a:lnSpc>
+              <a:spcBef>
+                <a:spcPts val="0"/>
+              </a:spcBef>
+              <a:spcAft>
+                <a:spcPts val="0"/>
+              </a:spcAft>
+              <a:buClrTx/>
+              <a:buSzTx/>
+              <a:buFontTx/>
+              <a:buNone/>
+              <a:tabLst/>
+            </a:pPr>
+            <a:r>
+              <a:rPr lang="en-US" sz="2800" dirty="0" smtClean="0">
+                <a:solidFill>
+                  <a:schemeClr val="tx2"/>
+                </a:solidFill>
+              </a:rPr>
+              <a:t>Password:   </a:t>
+            </a:r>
+            <a:r>
+              <a:rPr lang="en-US" sz="2800" dirty="0" err="1" smtClean="0">
+                <a:solidFill>
+                  <a:schemeClr val="accent1">
+                    <a:lumMod val="75000"/>
+                  </a:schemeClr>
+                </a:solidFill>
+              </a:rPr>
+              <a:t>bebold</a:t>
+            </a:r>
+            <a:endParaRPr kumimoji="0" lang="en-US" sz="2800" b="0" i="0" u="none" strike="noStrike" cap="none" spc="0" normalizeH="0" baseline="0" dirty="0">
+              <a:ln>
+                <a:noFill/>
+              </a:ln>
+              <a:solidFill>
+                <a:schemeClr val="accent1">
+                  <a:lumMod val="75000"/>
+                </a:schemeClr>
+              </a:solidFill>
+              <a:effectLst/>
+              <a:uFill>
+                <a:solidFill>
+                  <a:srgbClr val="4D4D4D"/>
+                </a:solidFill>
+              </a:uFill>
+              <a:sym typeface="Arial"/>
+            </a:endParaRPr>
+          </a:p>
+        </p:txBody>
+      </p:sp>
+    </p:spTree>
+    <p:extLst>
+      <p:ext uri="{BB962C8B-B14F-4D97-AF65-F5344CB8AC3E}">
+        <p14:creationId xmlns:p14="http://schemas.microsoft.com/office/powerpoint/2010/main" val="109583240"/>
+      </p:ext>
+    </p:extLst>
+  </p:cSld>
+  <p:clrMapOvr>
+    <a:masterClrMapping/>
+  </p:clrMapOvr>
+  <mc:AlternateContent xmlns:mc="http://schemas.openxmlformats.org/markup-compatibility/2006">
+    <mc:Choice xmlns:p14="http://schemas.microsoft.com/office/powerpoint/2010/main" Requires="p14">
+      <p:transition spd="slow" p14:dur="1200">
+        <p14:prism/>
+      </p:transition>
+    </mc:Choice>
+    <mc:Fallback>
+      <p:transition xmlns:p14="http://schemas.microsoft.com/office/powerpoint/2010/main" spd="slow">
+        <p:fade/>
+      </p:transition>
+    </mc:Fallback>
+  </mc:AlternateContent>
+  <p:timing>
+    <p:tnLst>
+      <p:par>
+        <p:cTn xmlns:p14="http://schemas.microsoft.com/office/powerpoint/2010/main" id="1" dur="indefinite" restart="never" nodeType="tmRoot"/>
+      </p:par>
+    </p:tnLst>
+  </p:timing>
+</p:sld>
+</file>
+
+<file path=ppt/slides/slide6.xml><?xml version="1.0" encoding="utf-8"?>
+<p:sld xmlns:a="http://schemas.openxmlformats.org/drawingml/2006/main" xmlns:r="http://schemas.openxmlformats.org/officeDocument/2006/relationships" xmlns:p="http://schemas.openxmlformats.org/presentationml/2006/main">
+  <p:cSld>
+    <p:spTree>
+      <p:nvGrpSpPr>
+        <p:cNvPr id="1" name=""/>
+        <p:cNvGrpSpPr/>
+        <p:nvPr/>
+      </p:nvGrpSpPr>
+      <p:grpSpPr>
+        <a:xfrm>
+          <a:off x="0" y="0"/>
+          <a:ext cx="0" cy="0"/>
+          <a:chOff x="0" y="0"/>
+          <a:chExt cx="0" cy="0"/>
+        </a:xfrm>
+      </p:grpSpPr>
+      <p:pic>
+        <p:nvPicPr>
           <p:cNvPr id="2" name="Picture 1"/>
           <p:cNvPicPr>
             <a:picLocks noChangeAspect="1"/>
@@ -10672,7 +11034,7 @@
 </p:sld>
 </file>
 
-<file path=ppt/slides/slide6.xml><?xml version="1.0" encoding="utf-8"?>
+<file path=ppt/slides/slide7.xml><?xml version="1.0" encoding="utf-8"?>
 <p:sld xmlns:a="http://schemas.openxmlformats.org/drawingml/2006/main" xmlns:r="http://schemas.openxmlformats.org/officeDocument/2006/relationships" xmlns:p="http://schemas.openxmlformats.org/presentationml/2006/main">
   <p:cSld>
     <p:spTree>
@@ -11592,7 +11954,7 @@
                   </a:solidFill>
                 </a:uFill>
               </a:rPr>
-              <a:t>6</a:t>
+              <a:t>7</a:t>
             </a:fld>
             <a:endParaRPr sz="800">
               <a:solidFill>
@@ -11621,7 +11983,7 @@
 </p:sld>
 </file>
 
-<file path=ppt/slides/slide7.xml><?xml version="1.0" encoding="utf-8"?>
+<file path=ppt/slides/slide8.xml><?xml version="1.0" encoding="utf-8"?>
 <p:sld xmlns:a="http://schemas.openxmlformats.org/drawingml/2006/main" xmlns:r="http://schemas.openxmlformats.org/officeDocument/2006/relationships" xmlns:p="http://schemas.openxmlformats.org/presentationml/2006/main">
   <p:cSld>
     <p:spTree>

--- a/labs/preparing_labs.pptx
+++ b/labs/preparing_labs.pptx
@@ -8710,8 +8710,14 @@
                 </a:solidFill>
                 <a:uFillTx/>
               </a:rPr>
-              <a:t>(…)</a:t>
-            </a:r>
+              <a:t>Query data</a:t>
+            </a:r>
+            <a:endParaRPr lang="en-US" sz="1500" dirty="0" smtClean="0">
+              <a:solidFill>
+                <a:schemeClr val="tx1"/>
+              </a:solidFill>
+              <a:uFillTx/>
+            </a:endParaRPr>
           </a:p>
           <a:p>
             <a:pPr defTabSz="694944">
@@ -10504,18 +10510,18 @@
         </p:blipFill>
         <p:spPr>
           <a:xfrm>
-            <a:off x="2579656" y="1143007"/>
+            <a:off x="2628501" y="1172314"/>
             <a:ext cx="3958922" cy="2217615"/>
           </a:xfrm>
           <a:prstGeom prst="rect">
             <a:avLst/>
           </a:prstGeom>
           <a:effectLst>
-            <a:innerShdw blurRad="63500" dist="50800" dir="13500000">
+            <a:outerShdw blurRad="50800" dist="76200" dir="2700000" algn="tl" rotWithShape="0">
               <a:srgbClr val="000000">
-                <a:alpha val="50000"/>
+                <a:alpha val="43000"/>
               </a:srgbClr>
-            </a:innerShdw>
+            </a:outerShdw>
           </a:effectLst>
         </p:spPr>
       </p:pic>
@@ -10642,7 +10648,7 @@
         </p:nvSpPr>
         <p:spPr>
           <a:xfrm>
-            <a:off x="2862382" y="3540180"/>
+            <a:off x="2891689" y="3540180"/>
             <a:ext cx="3425325" cy="954105"/>
           </a:xfrm>
           <a:prstGeom prst="rect">
@@ -11116,7 +11122,7 @@
         </p:nvSpPr>
         <p:spPr>
           <a:xfrm>
-            <a:off x="347176" y="785565"/>
+            <a:off x="337407" y="785565"/>
             <a:ext cx="8410576" cy="3892129"/>
           </a:xfrm>
           <a:prstGeom prst="rect">
@@ -11533,12 +11539,20 @@
               </a:defRPr>
             </a:pPr>
             <a:r>
+              <a:rPr lang="en-US" sz="1600" dirty="0">
+                <a:solidFill>
+                  <a:srgbClr val="5E5E5E"/>
+                </a:solidFill>
+              </a:rPr>
+              <a:t> </a:t>
+            </a:r>
+            <a:r>
               <a:rPr lang="en-US" sz="1600" dirty="0" smtClean="0">
                 <a:solidFill>
                   <a:srgbClr val="5E5E5E"/>
                 </a:solidFill>
               </a:rPr>
-              <a:t> </a:t>
+              <a:t>First </a:t>
             </a:r>
             <a:r>
               <a:rPr lang="en-US" sz="1600" dirty="0">
@@ -11546,7 +11560,7 @@
                   <a:srgbClr val="5E5E5E"/>
                 </a:solidFill>
               </a:rPr>
-              <a:t> First steps with Pivotal </a:t>
+              <a:t>steps with Pivotal </a:t>
             </a:r>
             <a:r>
               <a:rPr lang="en-US" sz="1600" dirty="0" err="1" smtClean="0">
@@ -11585,7 +11599,7 @@
                   <a:srgbClr val="5E5E5E"/>
                 </a:solidFill>
               </a:rPr>
-              <a:t> Learn (…)</a:t>
+              <a:t> Data load, query, scale-out, HA, monitoring</a:t>
             </a:r>
             <a:endParaRPr lang="en-US" sz="1600" dirty="0">
               <a:solidFill>
@@ -11740,7 +11754,7 @@
                   <a:srgbClr val="5E5E5E"/>
                 </a:solidFill>
               </a:rPr>
-              <a:t> Learn (…)</a:t>
+              <a:t> Accessing HDFS, loading data, performing SQL queries</a:t>
             </a:r>
             <a:endParaRPr lang="en-US" sz="1600" dirty="0">
               <a:solidFill>
@@ -11889,12 +11903,20 @@
               </a:defRPr>
             </a:pPr>
             <a:r>
-              <a:rPr lang="en-US" sz="1600" dirty="0">
+              <a:rPr lang="en-US" sz="1600" dirty="0" smtClean="0">
                 <a:solidFill>
                   <a:srgbClr val="5E5E5E"/>
                 </a:solidFill>
               </a:rPr>
-              <a:t> </a:t>
+              <a:t> Building a Data Stream Pipeline. Using transformations, sinking to HDFS and </a:t>
+            </a:r>
+            <a:r>
+              <a:rPr lang="en-US" sz="1600" dirty="0" err="1" smtClean="0">
+                <a:solidFill>
+                  <a:srgbClr val="5E5E5E"/>
+                </a:solidFill>
+              </a:rPr>
+              <a:t>GemFire</a:t>
             </a:r>
             <a:r>
               <a:rPr lang="en-US" sz="1600" dirty="0" smtClean="0">
@@ -11902,7 +11924,7 @@
                   <a:srgbClr val="5E5E5E"/>
                 </a:solidFill>
               </a:rPr>
-              <a:t>Learn how to build a Data Stream Pipeline using Spring XD</a:t>
+              <a:t>.</a:t>
             </a:r>
           </a:p>
         </p:txBody>

--- a/labs/preparing_labs.pptx
+++ b/labs/preparing_labs.pptx
@@ -5,17 +5,18 @@
     <p:sldMasterId id="2147483648" r:id="rId1"/>
   </p:sldMasterIdLst>
   <p:notesMasterIdLst>
-    <p:notesMasterId r:id="rId10"/>
+    <p:notesMasterId r:id="rId11"/>
   </p:notesMasterIdLst>
   <p:sldIdLst>
     <p:sldId id="338" r:id="rId2"/>
     <p:sldId id="339" r:id="rId3"/>
     <p:sldId id="450" r:id="rId4"/>
-    <p:sldId id="435" r:id="rId5"/>
-    <p:sldId id="452" r:id="rId6"/>
-    <p:sldId id="442" r:id="rId7"/>
-    <p:sldId id="451" r:id="rId8"/>
-    <p:sldId id="429" r:id="rId9"/>
+    <p:sldId id="453" r:id="rId5"/>
+    <p:sldId id="435" r:id="rId6"/>
+    <p:sldId id="452" r:id="rId7"/>
+    <p:sldId id="442" r:id="rId8"/>
+    <p:sldId id="451" r:id="rId9"/>
+    <p:sldId id="429" r:id="rId10"/>
   </p:sldIdLst>
   <p:sldSz cx="9144000" cy="5143500" type="screen16x9"/>
   <p:notesSz cx="6858000" cy="9144000"/>
@@ -8738,8 +8739,36 @@
                 </a:solidFill>
                 <a:uFillTx/>
               </a:rPr>
-              <a:t>(…)</a:t>
-            </a:r>
+              <a:t>High Availability</a:t>
+            </a:r>
+          </a:p>
+          <a:p>
+            <a:pPr defTabSz="694944">
+              <a:spcBef>
+                <a:spcPts val="900"/>
+              </a:spcBef>
+              <a:defRPr sz="1800">
+                <a:solidFill>
+                  <a:srgbClr val="000000"/>
+                </a:solidFill>
+                <a:uFillTx/>
+              </a:defRPr>
+            </a:pPr>
+            <a:r>
+              <a:rPr lang="en-US" sz="1500" dirty="0" smtClean="0">
+                <a:solidFill>
+                  <a:schemeClr val="tx1"/>
+                </a:solidFill>
+                <a:uFillTx/>
+              </a:rPr>
+              <a:t>Monitoring</a:t>
+            </a:r>
+            <a:endParaRPr lang="en-US" sz="1500" dirty="0" smtClean="0">
+              <a:solidFill>
+                <a:schemeClr val="tx1"/>
+              </a:solidFill>
+              <a:uFillTx/>
+            </a:endParaRPr>
           </a:p>
           <a:p>
             <a:pPr defTabSz="694944">
@@ -9037,11 +9066,11 @@
                 </a:solidFill>
                 <a:uFillTx/>
               </a:rPr>
-              <a:t>Massive parallel load of data</a:t>
-            </a:r>
-          </a:p>
-          <a:p>
-            <a:pPr defTabSz="694944">
+              <a:t>Accessing HDFS</a:t>
+            </a:r>
+          </a:p>
+          <a:p>
+            <a:pPr algn="l" defTabSz="694944">
               <a:spcBef>
                 <a:spcPts val="900"/>
               </a:spcBef>
@@ -9059,7 +9088,7 @@
                 </a:solidFill>
                 <a:uFillTx/>
               </a:rPr>
-              <a:t>(…)</a:t>
+              <a:t>Creating Tables</a:t>
             </a:r>
             <a:endParaRPr lang="en-US" sz="1500" dirty="0" smtClean="0">
               <a:solidFill>
@@ -9069,6 +9098,37 @@
             </a:endParaRPr>
           </a:p>
           <a:p>
+            <a:pPr algn="l" defTabSz="694944">
+              <a:spcBef>
+                <a:spcPts val="900"/>
+              </a:spcBef>
+              <a:defRPr sz="1800">
+                <a:solidFill>
+                  <a:srgbClr val="000000"/>
+                </a:solidFill>
+                <a:uFillTx/>
+              </a:defRPr>
+            </a:pPr>
+            <a:r>
+              <a:rPr lang="en-US" sz="1500" dirty="0" smtClean="0">
+                <a:solidFill>
+                  <a:schemeClr val="tx1"/>
+                </a:solidFill>
+                <a:uFillTx/>
+              </a:rPr>
+              <a:t>Massive parallel load of data</a:t>
+            </a:r>
+            <a:r>
+              <a:rPr lang="en-US" sz="1500" dirty="0" smtClean="0">
+                <a:solidFill>
+                  <a:schemeClr val="tx1"/>
+                </a:solidFill>
+                <a:uFillTx/>
+              </a:rPr>
+              <a:t> </a:t>
+            </a:r>
+          </a:p>
+          <a:p>
             <a:pPr defTabSz="694944">
               <a:spcBef>
                 <a:spcPts val="900"/>
@@ -9087,7 +9147,7 @@
                 </a:solidFill>
                 <a:uFillTx/>
               </a:rPr>
-              <a:t>SQL on HDFS</a:t>
+              <a:t>Leveraging SQL on HDFS</a:t>
             </a:r>
             <a:endParaRPr lang="en-US" sz="1500" dirty="0">
               <a:solidFill>
@@ -9108,7 +9168,7 @@
         </p:nvSpPr>
         <p:spPr>
           <a:xfrm>
-            <a:off x="6462787" y="2379595"/>
+            <a:off x="6462787" y="2355150"/>
             <a:ext cx="2380314" cy="2238869"/>
           </a:xfrm>
           <a:prstGeom prst="rect">
@@ -9417,29 +9477,7 @@
                 </a:solidFill>
                 <a:uFillTx/>
               </a:rPr>
-              <a:t>Scale-out</a:t>
-            </a:r>
-          </a:p>
-          <a:p>
-            <a:pPr defTabSz="694944">
-              <a:spcBef>
-                <a:spcPts val="900"/>
-              </a:spcBef>
-              <a:defRPr sz="1800">
-                <a:solidFill>
-                  <a:srgbClr val="000000"/>
-                </a:solidFill>
-                <a:uFillTx/>
-              </a:defRPr>
-            </a:pPr>
-            <a:r>
-              <a:rPr lang="en-US" sz="1500" dirty="0" smtClean="0">
-                <a:solidFill>
-                  <a:schemeClr val="tx1"/>
-                </a:solidFill>
-                <a:uFillTx/>
-              </a:rPr>
-              <a:t>Built-in processors</a:t>
+              <a:t>Built-in transformation and processors</a:t>
             </a:r>
           </a:p>
           <a:p>
@@ -9519,26 +9557,43 @@
       </p:pic>
       <p:pic>
         <p:nvPicPr>
-          <p:cNvPr id="2" name="Picture 1"/>
+          <p:cNvPr id="24" name="Picture 25" descr="C:\Users\sdunn\Documents\Pivotal Corporate\presentation\Misc Assets\icon-xd.png"/>
           <p:cNvPicPr>
-            <a:picLocks noChangeAspect="1"/>
+            <a:picLocks noChangeAspect="1" noChangeArrowheads="1"/>
           </p:cNvPicPr>
           <p:nvPr/>
         </p:nvPicPr>
         <p:blipFill>
-          <a:blip r:embed="rId4"/>
+          <a:blip r:embed="rId4">
+            <a:extLst>
+              <a:ext uri="{28A0092B-C50C-407E-A947-70E740481C1C}">
+                <a14:useLocalDpi xmlns:a14="http://schemas.microsoft.com/office/drawing/2010/main" val="0"/>
+              </a:ext>
+            </a:extLst>
+          </a:blip>
+          <a:srcRect/>
           <a:stretch>
             <a:fillRect/>
           </a:stretch>
         </p:blipFill>
-        <p:spPr>
+        <p:spPr bwMode="auto">
           <a:xfrm>
-            <a:off x="7316833" y="1445188"/>
-            <a:ext cx="664966" cy="664966"/>
+            <a:off x="7259663" y="1445188"/>
+            <a:ext cx="681943" cy="681943"/>
           </a:xfrm>
           <a:prstGeom prst="rect">
             <a:avLst/>
           </a:prstGeom>
+          <a:noFill/>
+          <a:extLst>
+            <a:ext uri="{909E8E84-426E-40dd-AFC4-6F175D3DCCD1}">
+              <a14:hiddenFill xmlns:a14="http://schemas.microsoft.com/office/drawing/2010/main">
+                <a:solidFill>
+                  <a:srgbClr val="FFFFFF"/>
+                </a:solidFill>
+              </a14:hiddenFill>
+            </a:ext>
+          </a:extLst>
         </p:spPr>
       </p:pic>
     </p:spTree>
@@ -9558,6 +9613,2838 @@
 </file>
 
 <file path=ppt/slides/slide4.xml><?xml version="1.0" encoding="utf-8"?>
+<p:sld xmlns:a="http://schemas.openxmlformats.org/drawingml/2006/main" xmlns:r="http://schemas.openxmlformats.org/officeDocument/2006/relationships" xmlns:p="http://schemas.openxmlformats.org/presentationml/2006/main">
+  <p:cSld>
+    <p:spTree>
+      <p:nvGrpSpPr>
+        <p:cNvPr id="1" name=""/>
+        <p:cNvGrpSpPr/>
+        <p:nvPr/>
+      </p:nvGrpSpPr>
+      <p:grpSpPr>
+        <a:xfrm>
+          <a:off x="0" y="0"/>
+          <a:ext cx="0" cy="0"/>
+          <a:chOff x="0" y="0"/>
+          <a:chExt cx="0" cy="0"/>
+        </a:xfrm>
+      </p:grpSpPr>
+      <p:pic>
+        <p:nvPicPr>
+          <p:cNvPr id="46" name="pasted-image.png"/>
+          <p:cNvPicPr/>
+          <p:nvPr/>
+        </p:nvPicPr>
+        <p:blipFill>
+          <a:blip r:embed="rId2">
+            <a:extLst/>
+          </a:blip>
+          <a:stretch>
+            <a:fillRect/>
+          </a:stretch>
+        </p:blipFill>
+        <p:spPr>
+          <a:xfrm>
+            <a:off x="7643498" y="3105422"/>
+            <a:ext cx="611390" cy="488328"/>
+          </a:xfrm>
+          <a:prstGeom prst="rect">
+            <a:avLst/>
+          </a:prstGeom>
+          <a:ln w="12700">
+            <a:miter lim="400000"/>
+          </a:ln>
+        </p:spPr>
+      </p:pic>
+      <p:sp>
+        <p:nvSpPr>
+          <p:cNvPr id="141" name="Rectangle 140"/>
+          <p:cNvSpPr/>
+          <p:nvPr/>
+        </p:nvSpPr>
+        <p:spPr>
+          <a:xfrm>
+            <a:off x="1576158" y="1582125"/>
+            <a:ext cx="4998701" cy="774678"/>
+          </a:xfrm>
+          <a:prstGeom prst="rect">
+            <a:avLst/>
+          </a:prstGeom>
+          <a:noFill/>
+          <a:ln>
+            <a:solidFill>
+              <a:schemeClr val="accent1">
+                <a:lumMod val="50000"/>
+              </a:schemeClr>
+            </a:solidFill>
+          </a:ln>
+        </p:spPr>
+        <p:style>
+          <a:lnRef idx="2">
+            <a:schemeClr val="accent1">
+              <a:shade val="50000"/>
+            </a:schemeClr>
+          </a:lnRef>
+          <a:fillRef idx="1">
+            <a:schemeClr val="accent1"/>
+          </a:fillRef>
+          <a:effectRef idx="0">
+            <a:schemeClr val="accent1"/>
+          </a:effectRef>
+          <a:fontRef idx="minor">
+            <a:schemeClr val="lt1"/>
+          </a:fontRef>
+        </p:style>
+        <p:txBody>
+          <a:bodyPr rot="0" spcFirstLastPara="1" vertOverflow="overflow" horzOverflow="overflow" vert="horz" wrap="square" lIns="45719" tIns="45719" rIns="45719" bIns="45719" numCol="1" spcCol="38100" rtlCol="0" anchor="ctr">
+            <a:spAutoFit/>
+          </a:bodyPr>
+          <a:lstStyle/>
+          <a:p>
+            <a:pPr marL="0" marR="0" indent="0" algn="l" defTabSz="914400" rtl="0" fontAlgn="auto" latinLnBrk="1" hangingPunct="0">
+              <a:lnSpc>
+                <a:spcPct val="100000"/>
+              </a:lnSpc>
+              <a:spcBef>
+                <a:spcPts val="0"/>
+              </a:spcBef>
+              <a:spcAft>
+                <a:spcPts val="0"/>
+              </a:spcAft>
+              <a:buClrTx/>
+              <a:buSzTx/>
+              <a:buFontTx/>
+              <a:buNone/>
+              <a:tabLst/>
+            </a:pPr>
+            <a:endParaRPr kumimoji="0" lang="en-US" sz="1800" b="0" i="0" u="none" strike="noStrike" cap="none" spc="0" normalizeH="0" baseline="0">
+              <a:ln>
+                <a:noFill/>
+              </a:ln>
+              <a:solidFill>
+                <a:srgbClr val="4D4D4D"/>
+              </a:solidFill>
+              <a:effectLst/>
+              <a:uFill>
+                <a:solidFill>
+                  <a:srgbClr val="4D4D4D"/>
+                </a:solidFill>
+              </a:uFill>
+              <a:latin typeface="Arial"/>
+              <a:ea typeface="Arial"/>
+              <a:cs typeface="Arial"/>
+              <a:sym typeface="Arial"/>
+            </a:endParaRPr>
+          </a:p>
+        </p:txBody>
+      </p:sp>
+      <p:sp>
+        <p:nvSpPr>
+          <p:cNvPr id="61" name="Rectangle 60"/>
+          <p:cNvSpPr/>
+          <p:nvPr/>
+        </p:nvSpPr>
+        <p:spPr>
+          <a:xfrm>
+            <a:off x="1459070" y="1672941"/>
+            <a:ext cx="4998703" cy="774678"/>
+          </a:xfrm>
+          <a:prstGeom prst="rect">
+            <a:avLst/>
+          </a:prstGeom>
+          <a:solidFill>
+            <a:schemeClr val="bg1"/>
+          </a:solidFill>
+          <a:ln>
+            <a:solidFill>
+              <a:schemeClr val="accent1">
+                <a:lumMod val="50000"/>
+              </a:schemeClr>
+            </a:solidFill>
+          </a:ln>
+        </p:spPr>
+        <p:style>
+          <a:lnRef idx="2">
+            <a:schemeClr val="accent1">
+              <a:shade val="50000"/>
+            </a:schemeClr>
+          </a:lnRef>
+          <a:fillRef idx="1">
+            <a:schemeClr val="accent1"/>
+          </a:fillRef>
+          <a:effectRef idx="0">
+            <a:schemeClr val="accent1"/>
+          </a:effectRef>
+          <a:fontRef idx="minor">
+            <a:schemeClr val="lt1"/>
+          </a:fontRef>
+        </p:style>
+        <p:txBody>
+          <a:bodyPr rot="0" spcFirstLastPara="1" vertOverflow="overflow" horzOverflow="overflow" vert="horz" wrap="square" lIns="45719" tIns="45719" rIns="45719" bIns="45719" numCol="1" spcCol="38100" rtlCol="0" anchor="ctr">
+            <a:spAutoFit/>
+          </a:bodyPr>
+          <a:lstStyle/>
+          <a:p>
+            <a:pPr marL="0" marR="0" indent="0" algn="l" defTabSz="914400" rtl="0" fontAlgn="auto" latinLnBrk="1" hangingPunct="0">
+              <a:lnSpc>
+                <a:spcPct val="100000"/>
+              </a:lnSpc>
+              <a:spcBef>
+                <a:spcPts val="0"/>
+              </a:spcBef>
+              <a:spcAft>
+                <a:spcPts val="0"/>
+              </a:spcAft>
+              <a:buClrTx/>
+              <a:buSzTx/>
+              <a:buFontTx/>
+              <a:buNone/>
+              <a:tabLst/>
+            </a:pPr>
+            <a:endParaRPr kumimoji="0" lang="en-US" sz="1800" b="0" i="0" u="none" strike="noStrike" cap="none" spc="0" normalizeH="0" baseline="0">
+              <a:ln>
+                <a:noFill/>
+              </a:ln>
+              <a:solidFill>
+                <a:srgbClr val="4D4D4D"/>
+              </a:solidFill>
+              <a:effectLst/>
+              <a:uFill>
+                <a:solidFill>
+                  <a:srgbClr val="4D4D4D"/>
+                </a:solidFill>
+              </a:uFill>
+              <a:latin typeface="Arial"/>
+              <a:ea typeface="Arial"/>
+              <a:cs typeface="Arial"/>
+              <a:sym typeface="Arial"/>
+            </a:endParaRPr>
+          </a:p>
+        </p:txBody>
+      </p:sp>
+      <p:sp>
+        <p:nvSpPr>
+          <p:cNvPr id="62" name="Shape 1426"/>
+          <p:cNvSpPr/>
+          <p:nvPr/>
+        </p:nvSpPr>
+        <p:spPr>
+          <a:xfrm>
+            <a:off x="2179616" y="1879761"/>
+            <a:ext cx="594436" cy="269749"/>
+          </a:xfrm>
+          <a:prstGeom prst="rect">
+            <a:avLst/>
+          </a:prstGeom>
+          <a:ln w="22225" cmpd="sng">
+            <a:solidFill>
+              <a:schemeClr val="tx2"/>
+            </a:solidFill>
+            <a:prstDash val="sysDash"/>
+            <a:miter lim="400000"/>
+          </a:ln>
+          <a:extLst>
+            <a:ext uri="{C572A759-6A51-4108-AA02-DFA0A04FC94B}">
+              <ma14:wrappingTextBoxFlag xmlns:ma14="http://schemas.microsoft.com/office/mac/drawingml/2011/main" val="1"/>
+            </a:ext>
+          </a:extLst>
+        </p:spPr>
+        <p:txBody>
+          <a:bodyPr lIns="0" tIns="0" rIns="0" bIns="0" anchor="ctr"/>
+          <a:lstStyle>
+            <a:lvl1pPr algn="ctr">
+              <a:defRPr sz="1100">
+                <a:solidFill>
+                  <a:srgbClr val="29756E"/>
+                </a:solidFill>
+                <a:uFillTx/>
+                <a:latin typeface="Avenir Next Demi Bold"/>
+                <a:ea typeface="Avenir Next Demi Bold"/>
+                <a:cs typeface="Avenir Next Demi Bold"/>
+                <a:sym typeface="Avenir Next Demi Bold"/>
+              </a:defRPr>
+            </a:lvl1pPr>
+          </a:lstStyle>
+          <a:p>
+            <a:pPr lvl="0">
+              <a:defRPr sz="1800">
+                <a:solidFill>
+                  <a:srgbClr val="000000"/>
+                </a:solidFill>
+              </a:defRPr>
+            </a:pPr>
+            <a:r>
+              <a:rPr lang="x-none" sz="1200" dirty="0" smtClean="0">
+                <a:solidFill>
+                  <a:srgbClr val="29756E"/>
+                </a:solidFill>
+                <a:latin typeface="+mn-lt"/>
+              </a:rPr>
+              <a:t>Ingest</a:t>
+            </a:r>
+            <a:endParaRPr sz="1200" dirty="0">
+              <a:solidFill>
+                <a:srgbClr val="29756E"/>
+              </a:solidFill>
+              <a:latin typeface="+mn-lt"/>
+            </a:endParaRPr>
+          </a:p>
+        </p:txBody>
+      </p:sp>
+      <p:cxnSp>
+        <p:nvCxnSpPr>
+          <p:cNvPr id="65" name="Straight Arrow Connector 64"/>
+          <p:cNvCxnSpPr/>
+          <p:nvPr/>
+        </p:nvCxnSpPr>
+        <p:spPr>
+          <a:xfrm flipV="1">
+            <a:off x="2808537" y="2021132"/>
+            <a:ext cx="193154" cy="734"/>
+          </a:xfrm>
+          <a:prstGeom prst="straightConnector1">
+            <a:avLst/>
+          </a:prstGeom>
+          <a:ln w="19050" cmpd="sng">
+            <a:solidFill>
+              <a:schemeClr val="accent1">
+                <a:lumMod val="75000"/>
+              </a:schemeClr>
+            </a:solidFill>
+            <a:headEnd type="none"/>
+            <a:tailEnd type="arrow"/>
+          </a:ln>
+        </p:spPr>
+        <p:style>
+          <a:lnRef idx="1">
+            <a:schemeClr val="accent1"/>
+          </a:lnRef>
+          <a:fillRef idx="0">
+            <a:schemeClr val="accent1"/>
+          </a:fillRef>
+          <a:effectRef idx="0">
+            <a:schemeClr val="accent1"/>
+          </a:effectRef>
+          <a:fontRef idx="minor">
+            <a:schemeClr val="tx1"/>
+          </a:fontRef>
+        </p:style>
+      </p:cxnSp>
+      <p:pic>
+        <p:nvPicPr>
+          <p:cNvPr id="67" name="pasted-image.png"/>
+          <p:cNvPicPr/>
+          <p:nvPr/>
+        </p:nvPicPr>
+        <p:blipFill>
+          <a:blip r:embed="rId3">
+            <a:extLst/>
+          </a:blip>
+          <a:stretch>
+            <a:fillRect/>
+          </a:stretch>
+        </p:blipFill>
+        <p:spPr>
+          <a:xfrm>
+            <a:off x="1640043" y="1781812"/>
+            <a:ext cx="410798" cy="376529"/>
+          </a:xfrm>
+          <a:prstGeom prst="rect">
+            <a:avLst/>
+          </a:prstGeom>
+          <a:ln w="12700">
+            <a:miter lim="400000"/>
+          </a:ln>
+        </p:spPr>
+      </p:pic>
+      <p:sp>
+        <p:nvSpPr>
+          <p:cNvPr id="68" name="Shape 1204"/>
+          <p:cNvSpPr/>
+          <p:nvPr/>
+        </p:nvSpPr>
+        <p:spPr>
+          <a:xfrm>
+            <a:off x="1411741" y="2220759"/>
+            <a:ext cx="912340" cy="234205"/>
+          </a:xfrm>
+          <a:prstGeom prst="rect">
+            <a:avLst/>
+          </a:prstGeom>
+          <a:ln w="12700">
+            <a:miter lim="400000"/>
+          </a:ln>
+          <a:extLst>
+            <a:ext uri="{C572A759-6A51-4108-AA02-DFA0A04FC94B}">
+              <ma14:wrappingTextBoxFlag xmlns:ma14="http://schemas.microsoft.com/office/mac/drawingml/2011/main" val="1"/>
+            </a:ext>
+          </a:extLst>
+        </p:spPr>
+        <p:txBody>
+          <a:bodyPr lIns="0" tIns="0" rIns="0" bIns="0"/>
+          <a:lstStyle>
+            <a:lvl1pPr algn="ctr">
+              <a:defRPr sz="1000">
+                <a:solidFill>
+                  <a:srgbClr val="29756E"/>
+                </a:solidFill>
+                <a:uFillTx/>
+                <a:latin typeface="Avenir Next Demi Bold"/>
+                <a:ea typeface="Avenir Next Demi Bold"/>
+                <a:cs typeface="Avenir Next Demi Bold"/>
+                <a:sym typeface="Avenir Next Demi Bold"/>
+              </a:defRPr>
+            </a:lvl1pPr>
+          </a:lstStyle>
+          <a:p>
+            <a:pPr lvl="0">
+              <a:defRPr sz="1800">
+                <a:solidFill>
+                  <a:srgbClr val="000000"/>
+                </a:solidFill>
+              </a:defRPr>
+            </a:pPr>
+            <a:r>
+              <a:rPr sz="1100" dirty="0">
+                <a:solidFill>
+                  <a:srgbClr val="29756E"/>
+                </a:solidFill>
+              </a:rPr>
+              <a:t>SpringXD</a:t>
+            </a:r>
+          </a:p>
+        </p:txBody>
+      </p:sp>
+      <p:cxnSp>
+        <p:nvCxnSpPr>
+          <p:cNvPr id="76" name="Straight Arrow Connector 75"/>
+          <p:cNvCxnSpPr/>
+          <p:nvPr/>
+        </p:nvCxnSpPr>
+        <p:spPr>
+          <a:xfrm>
+            <a:off x="513382" y="1916738"/>
+            <a:ext cx="856635" cy="0"/>
+          </a:xfrm>
+          <a:prstGeom prst="straightConnector1">
+            <a:avLst/>
+          </a:prstGeom>
+          <a:ln w="28575" cmpd="sng">
+            <a:solidFill>
+              <a:schemeClr val="accent3"/>
+            </a:solidFill>
+            <a:headEnd type="none"/>
+            <a:tailEnd type="arrow"/>
+          </a:ln>
+        </p:spPr>
+        <p:style>
+          <a:lnRef idx="1">
+            <a:schemeClr val="accent1"/>
+          </a:lnRef>
+          <a:fillRef idx="0">
+            <a:schemeClr val="accent1"/>
+          </a:fillRef>
+          <a:effectRef idx="0">
+            <a:schemeClr val="accent1"/>
+          </a:effectRef>
+          <a:fontRef idx="minor">
+            <a:schemeClr val="tx1"/>
+          </a:fontRef>
+        </p:style>
+      </p:cxnSp>
+      <p:sp>
+        <p:nvSpPr>
+          <p:cNvPr id="89" name="Rectangle 88"/>
+          <p:cNvSpPr/>
+          <p:nvPr/>
+        </p:nvSpPr>
+        <p:spPr>
+          <a:xfrm>
+            <a:off x="3566612" y="2875482"/>
+            <a:ext cx="1131532" cy="826755"/>
+          </a:xfrm>
+          <a:prstGeom prst="rect">
+            <a:avLst/>
+          </a:prstGeom>
+          <a:noFill/>
+          <a:ln>
+            <a:solidFill>
+              <a:schemeClr val="accent1">
+                <a:lumMod val="50000"/>
+              </a:schemeClr>
+            </a:solidFill>
+          </a:ln>
+        </p:spPr>
+        <p:style>
+          <a:lnRef idx="2">
+            <a:schemeClr val="accent1">
+              <a:shade val="50000"/>
+            </a:schemeClr>
+          </a:lnRef>
+          <a:fillRef idx="1">
+            <a:schemeClr val="accent1"/>
+          </a:fillRef>
+          <a:effectRef idx="0">
+            <a:schemeClr val="accent1"/>
+          </a:effectRef>
+          <a:fontRef idx="minor">
+            <a:schemeClr val="lt1"/>
+          </a:fontRef>
+        </p:style>
+        <p:txBody>
+          <a:bodyPr rot="0" spcFirstLastPara="1" vertOverflow="overflow" horzOverflow="overflow" vert="horz" wrap="square" lIns="45719" tIns="45719" rIns="45719" bIns="45719" numCol="1" spcCol="38100" rtlCol="0" anchor="ctr">
+            <a:spAutoFit/>
+          </a:bodyPr>
+          <a:lstStyle/>
+          <a:p>
+            <a:pPr marL="0" marR="0" indent="0" algn="l" defTabSz="914400" rtl="0" fontAlgn="auto" latinLnBrk="1" hangingPunct="0">
+              <a:lnSpc>
+                <a:spcPct val="100000"/>
+              </a:lnSpc>
+              <a:spcBef>
+                <a:spcPts val="0"/>
+              </a:spcBef>
+              <a:spcAft>
+                <a:spcPts val="0"/>
+              </a:spcAft>
+              <a:buClrTx/>
+              <a:buSzTx/>
+              <a:buFontTx/>
+              <a:buNone/>
+              <a:tabLst/>
+            </a:pPr>
+            <a:endParaRPr kumimoji="0" lang="en-US" sz="1800" b="0" i="0" u="none" strike="noStrike" cap="none" spc="0" normalizeH="0" baseline="0">
+              <a:ln>
+                <a:noFill/>
+              </a:ln>
+              <a:solidFill>
+                <a:srgbClr val="4D4D4D"/>
+              </a:solidFill>
+              <a:effectLst/>
+              <a:uFill>
+                <a:solidFill>
+                  <a:srgbClr val="4D4D4D"/>
+                </a:solidFill>
+              </a:uFill>
+              <a:latin typeface="Arial"/>
+              <a:ea typeface="Arial"/>
+              <a:cs typeface="Arial"/>
+              <a:sym typeface="Arial"/>
+            </a:endParaRPr>
+          </a:p>
+        </p:txBody>
+      </p:sp>
+      <p:cxnSp>
+        <p:nvCxnSpPr>
+          <p:cNvPr id="94" name="Straight Arrow Connector 93"/>
+          <p:cNvCxnSpPr/>
+          <p:nvPr/>
+        </p:nvCxnSpPr>
+        <p:spPr>
+          <a:xfrm>
+            <a:off x="4228622" y="2204125"/>
+            <a:ext cx="0" cy="613041"/>
+          </a:xfrm>
+          <a:prstGeom prst="straightConnector1">
+            <a:avLst/>
+          </a:prstGeom>
+          <a:ln w="28575" cmpd="sng">
+            <a:solidFill>
+              <a:schemeClr val="accent3"/>
+            </a:solidFill>
+            <a:prstDash val="solid"/>
+            <a:headEnd type="none"/>
+            <a:tailEnd type="arrow"/>
+          </a:ln>
+        </p:spPr>
+        <p:style>
+          <a:lnRef idx="1">
+            <a:schemeClr val="accent1"/>
+          </a:lnRef>
+          <a:fillRef idx="0">
+            <a:schemeClr val="accent1"/>
+          </a:fillRef>
+          <a:effectRef idx="0">
+            <a:schemeClr val="accent1"/>
+          </a:effectRef>
+          <a:fontRef idx="minor">
+            <a:schemeClr val="tx1"/>
+          </a:fontRef>
+        </p:style>
+      </p:cxnSp>
+      <p:sp>
+        <p:nvSpPr>
+          <p:cNvPr id="116" name="Rectangle 115"/>
+          <p:cNvSpPr/>
+          <p:nvPr/>
+        </p:nvSpPr>
+        <p:spPr>
+          <a:xfrm>
+            <a:off x="4462804" y="794206"/>
+            <a:ext cx="1319452" cy="391192"/>
+          </a:xfrm>
+          <a:prstGeom prst="rect">
+            <a:avLst/>
+          </a:prstGeom>
+          <a:noFill/>
+          <a:ln>
+            <a:solidFill>
+              <a:schemeClr val="accent1">
+                <a:lumMod val="50000"/>
+              </a:schemeClr>
+            </a:solidFill>
+          </a:ln>
+        </p:spPr>
+        <p:style>
+          <a:lnRef idx="2">
+            <a:schemeClr val="accent1">
+              <a:shade val="50000"/>
+            </a:schemeClr>
+          </a:lnRef>
+          <a:fillRef idx="1">
+            <a:schemeClr val="accent1"/>
+          </a:fillRef>
+          <a:effectRef idx="0">
+            <a:schemeClr val="accent1"/>
+          </a:effectRef>
+          <a:fontRef idx="minor">
+            <a:schemeClr val="lt1"/>
+          </a:fontRef>
+        </p:style>
+        <p:txBody>
+          <a:bodyPr rot="0" spcFirstLastPara="1" vertOverflow="overflow" horzOverflow="overflow" vert="horz" wrap="square" lIns="45719" tIns="45719" rIns="45719" bIns="45719" numCol="1" spcCol="38100" rtlCol="0" anchor="ctr">
+            <a:spAutoFit/>
+          </a:bodyPr>
+          <a:lstStyle/>
+          <a:p>
+            <a:pPr marL="0" marR="0" indent="0" algn="l" defTabSz="914400" rtl="0" fontAlgn="auto" latinLnBrk="1" hangingPunct="0">
+              <a:lnSpc>
+                <a:spcPct val="100000"/>
+              </a:lnSpc>
+              <a:spcBef>
+                <a:spcPts val="0"/>
+              </a:spcBef>
+              <a:spcAft>
+                <a:spcPts val="0"/>
+              </a:spcAft>
+              <a:buClrTx/>
+              <a:buSzTx/>
+              <a:buFontTx/>
+              <a:buNone/>
+              <a:tabLst/>
+            </a:pPr>
+            <a:endParaRPr kumimoji="0" lang="en-US" sz="1800" b="0" i="0" u="none" strike="noStrike" cap="none" spc="0" normalizeH="0" baseline="0">
+              <a:ln>
+                <a:noFill/>
+              </a:ln>
+              <a:solidFill>
+                <a:srgbClr val="4D4D4D"/>
+              </a:solidFill>
+              <a:effectLst/>
+              <a:uFill>
+                <a:solidFill>
+                  <a:srgbClr val="4D4D4D"/>
+                </a:solidFill>
+              </a:uFill>
+              <a:latin typeface="Arial"/>
+              <a:ea typeface="Arial"/>
+              <a:cs typeface="Arial"/>
+              <a:sym typeface="Arial"/>
+            </a:endParaRPr>
+          </a:p>
+        </p:txBody>
+      </p:sp>
+      <p:sp>
+        <p:nvSpPr>
+          <p:cNvPr id="117" name="Shape 1426"/>
+          <p:cNvSpPr/>
+          <p:nvPr/>
+        </p:nvSpPr>
+        <p:spPr>
+          <a:xfrm>
+            <a:off x="4536979" y="891780"/>
+            <a:ext cx="1149730" cy="336240"/>
+          </a:xfrm>
+          <a:prstGeom prst="rect">
+            <a:avLst/>
+          </a:prstGeom>
+          <a:ln w="12700">
+            <a:miter lim="400000"/>
+          </a:ln>
+          <a:extLst>
+            <a:ext uri="{C572A759-6A51-4108-AA02-DFA0A04FC94B}">
+              <ma14:wrappingTextBoxFlag xmlns:ma14="http://schemas.microsoft.com/office/mac/drawingml/2011/main" val="1"/>
+            </a:ext>
+          </a:extLst>
+        </p:spPr>
+        <p:txBody>
+          <a:bodyPr lIns="0" tIns="0" rIns="0" bIns="0"/>
+          <a:lstStyle>
+            <a:lvl1pPr algn="ctr">
+              <a:defRPr sz="1100">
+                <a:solidFill>
+                  <a:srgbClr val="29756E"/>
+                </a:solidFill>
+                <a:uFillTx/>
+                <a:latin typeface="Avenir Next Demi Bold"/>
+                <a:ea typeface="Avenir Next Demi Bold"/>
+                <a:cs typeface="Avenir Next Demi Bold"/>
+                <a:sym typeface="Avenir Next Demi Bold"/>
+              </a:defRPr>
+            </a:lvl1pPr>
+          </a:lstStyle>
+          <a:p>
+            <a:pPr lvl="0">
+              <a:defRPr sz="1800">
+                <a:solidFill>
+                  <a:srgbClr val="000000"/>
+                </a:solidFill>
+              </a:defRPr>
+            </a:pPr>
+            <a:r>
+              <a:rPr lang="x-none" sz="1200" dirty="0" smtClean="0">
+                <a:solidFill>
+                  <a:schemeClr val="accent1">
+                    <a:lumMod val="75000"/>
+                  </a:schemeClr>
+                </a:solidFill>
+              </a:rPr>
+              <a:t>Groovy</a:t>
+            </a:r>
+            <a:endParaRPr sz="1200" dirty="0">
+              <a:solidFill>
+                <a:schemeClr val="accent1">
+                  <a:lumMod val="75000"/>
+                </a:schemeClr>
+              </a:solidFill>
+            </a:endParaRPr>
+          </a:p>
+        </p:txBody>
+      </p:sp>
+      <p:sp>
+        <p:nvSpPr>
+          <p:cNvPr id="128" name="Shape 356"/>
+          <p:cNvSpPr/>
+          <p:nvPr/>
+        </p:nvSpPr>
+        <p:spPr>
+          <a:xfrm>
+            <a:off x="299355" y="3190762"/>
+            <a:ext cx="2610844" cy="1231106"/>
+          </a:xfrm>
+          <a:prstGeom prst="rect">
+            <a:avLst/>
+          </a:prstGeom>
+          <a:ln w="12700">
+            <a:miter lim="400000"/>
+          </a:ln>
+          <a:extLst>
+            <a:ext uri="{C572A759-6A51-4108-AA02-DFA0A04FC94B}">
+              <ma14:wrappingTextBoxFlag xmlns:ma14="http://schemas.microsoft.com/office/mac/drawingml/2011/main" val="1"/>
+            </a:ext>
+          </a:extLst>
+        </p:spPr>
+        <p:txBody>
+          <a:bodyPr lIns="0" tIns="0" rIns="0" bIns="0">
+            <a:spAutoFit/>
+          </a:bodyPr>
+          <a:lstStyle>
+            <a:lvl1pPr algn="ctr">
+              <a:defRPr sz="1700" b="1">
+                <a:uFillTx/>
+              </a:defRPr>
+            </a:lvl1pPr>
+          </a:lstStyle>
+          <a:p>
+            <a:pPr lvl="0" algn="l">
+              <a:defRPr sz="1800" b="0">
+                <a:solidFill>
+                  <a:srgbClr val="000000"/>
+                </a:solidFill>
+              </a:defRPr>
+            </a:pPr>
+            <a:r>
+              <a:rPr lang="x-none" sz="1600" b="1" i="1" dirty="0" smtClean="0">
+                <a:solidFill>
+                  <a:schemeClr val="accent1">
+                    <a:lumMod val="75000"/>
+                  </a:schemeClr>
+                </a:solidFill>
+                <a:latin typeface="Avenir Next Demi Bold"/>
+                <a:cs typeface="Avenir Next Demi Bold"/>
+              </a:rPr>
+              <a:t>Fast</a:t>
+            </a:r>
+          </a:p>
+          <a:p>
+            <a:pPr lvl="0" algn="l">
+              <a:defRPr sz="1800" b="0">
+                <a:solidFill>
+                  <a:srgbClr val="000000"/>
+                </a:solidFill>
+              </a:defRPr>
+            </a:pPr>
+            <a:r>
+              <a:rPr lang="x-none" sz="1600" b="1" i="1" dirty="0" smtClean="0">
+                <a:solidFill>
+                  <a:schemeClr val="accent1">
+                    <a:lumMod val="75000"/>
+                  </a:schemeClr>
+                </a:solidFill>
+                <a:latin typeface="Avenir Next Demi Bold"/>
+                <a:cs typeface="Avenir Next Demi Bold"/>
+              </a:rPr>
+              <a:t>Extensible</a:t>
+            </a:r>
+          </a:p>
+          <a:p>
+            <a:pPr lvl="0" algn="l">
+              <a:defRPr sz="1800" b="0">
+                <a:solidFill>
+                  <a:srgbClr val="000000"/>
+                </a:solidFill>
+              </a:defRPr>
+            </a:pPr>
+            <a:r>
+              <a:rPr lang="x-none" sz="1600" i="1" dirty="0" smtClean="0">
+                <a:solidFill>
+                  <a:schemeClr val="accent1">
+                    <a:lumMod val="75000"/>
+                  </a:schemeClr>
+                </a:solidFill>
+                <a:latin typeface="Avenir Next Demi Bold"/>
+                <a:cs typeface="Avenir Next Demi Bold"/>
+              </a:rPr>
+              <a:t>Open-Source</a:t>
+            </a:r>
+          </a:p>
+          <a:p>
+            <a:pPr lvl="0" algn="l">
+              <a:defRPr sz="1800" b="0">
+                <a:solidFill>
+                  <a:srgbClr val="000000"/>
+                </a:solidFill>
+              </a:defRPr>
+            </a:pPr>
+            <a:r>
+              <a:rPr lang="x-none" sz="1600" i="1" dirty="0" smtClean="0">
+                <a:solidFill>
+                  <a:schemeClr val="accent1">
+                    <a:lumMod val="75000"/>
+                  </a:schemeClr>
+                </a:solidFill>
+                <a:latin typeface="Avenir Next Demi Bold"/>
+                <a:cs typeface="Avenir Next Demi Bold"/>
+              </a:rPr>
+              <a:t>Fault-Tolerant</a:t>
+            </a:r>
+          </a:p>
+          <a:p>
+            <a:pPr algn="l">
+              <a:defRPr sz="1800" b="0">
+                <a:solidFill>
+                  <a:srgbClr val="000000"/>
+                </a:solidFill>
+              </a:defRPr>
+            </a:pPr>
+            <a:r>
+              <a:rPr lang="x-none" sz="1600" i="1" dirty="0">
+                <a:solidFill>
+                  <a:schemeClr val="accent1">
+                    <a:lumMod val="75000"/>
+                  </a:schemeClr>
+                </a:solidFill>
+                <a:latin typeface="Avenir Next Demi Bold"/>
+                <a:cs typeface="Avenir Next Demi Bold"/>
+              </a:rPr>
+              <a:t>Horizontally </a:t>
+            </a:r>
+            <a:r>
+              <a:rPr lang="x-none" sz="1600" i="1" dirty="0" smtClean="0">
+                <a:solidFill>
+                  <a:schemeClr val="accent1">
+                    <a:lumMod val="75000"/>
+                  </a:schemeClr>
+                </a:solidFill>
+                <a:latin typeface="Avenir Next Demi Bold"/>
+                <a:cs typeface="Avenir Next Demi Bold"/>
+              </a:rPr>
+              <a:t>Scalable</a:t>
+            </a:r>
+            <a:endParaRPr lang="x-none" sz="1600" i="1" dirty="0">
+              <a:solidFill>
+                <a:schemeClr val="accent1">
+                  <a:lumMod val="75000"/>
+                </a:schemeClr>
+              </a:solidFill>
+              <a:latin typeface="Avenir Next Demi Bold"/>
+              <a:cs typeface="Avenir Next Demi Bold"/>
+            </a:endParaRPr>
+          </a:p>
+        </p:txBody>
+      </p:sp>
+      <p:cxnSp>
+        <p:nvCxnSpPr>
+          <p:cNvPr id="130" name="Straight Arrow Connector 129"/>
+          <p:cNvCxnSpPr/>
+          <p:nvPr/>
+        </p:nvCxnSpPr>
+        <p:spPr>
+          <a:xfrm>
+            <a:off x="513382" y="2073912"/>
+            <a:ext cx="856635" cy="4606"/>
+          </a:xfrm>
+          <a:prstGeom prst="straightConnector1">
+            <a:avLst/>
+          </a:prstGeom>
+          <a:ln w="28575" cmpd="sng">
+            <a:solidFill>
+              <a:schemeClr val="accent3"/>
+            </a:solidFill>
+            <a:headEnd type="none"/>
+            <a:tailEnd type="arrow"/>
+          </a:ln>
+        </p:spPr>
+        <p:style>
+          <a:lnRef idx="1">
+            <a:schemeClr val="accent1"/>
+          </a:lnRef>
+          <a:fillRef idx="0">
+            <a:schemeClr val="accent1"/>
+          </a:fillRef>
+          <a:effectRef idx="0">
+            <a:schemeClr val="accent1"/>
+          </a:effectRef>
+          <a:fontRef idx="minor">
+            <a:schemeClr val="tx1"/>
+          </a:fontRef>
+        </p:style>
+      </p:cxnSp>
+      <p:cxnSp>
+        <p:nvCxnSpPr>
+          <p:cNvPr id="138" name="Straight Arrow Connector 137"/>
+          <p:cNvCxnSpPr/>
+          <p:nvPr/>
+        </p:nvCxnSpPr>
+        <p:spPr>
+          <a:xfrm>
+            <a:off x="4041672" y="2204125"/>
+            <a:ext cx="10078" cy="613041"/>
+          </a:xfrm>
+          <a:prstGeom prst="straightConnector1">
+            <a:avLst/>
+          </a:prstGeom>
+          <a:ln w="28575" cmpd="sng">
+            <a:solidFill>
+              <a:schemeClr val="accent3"/>
+            </a:solidFill>
+            <a:prstDash val="solid"/>
+            <a:headEnd type="none"/>
+            <a:tailEnd type="arrow"/>
+          </a:ln>
+        </p:spPr>
+        <p:style>
+          <a:lnRef idx="1">
+            <a:schemeClr val="accent1"/>
+          </a:lnRef>
+          <a:fillRef idx="0">
+            <a:schemeClr val="accent1"/>
+          </a:fillRef>
+          <a:effectRef idx="0">
+            <a:schemeClr val="accent1"/>
+          </a:effectRef>
+          <a:fontRef idx="minor">
+            <a:schemeClr val="tx1"/>
+          </a:fontRef>
+        </p:style>
+      </p:cxnSp>
+      <p:cxnSp>
+        <p:nvCxnSpPr>
+          <p:cNvPr id="33" name="Straight Arrow Connector 32"/>
+          <p:cNvCxnSpPr/>
+          <p:nvPr/>
+        </p:nvCxnSpPr>
+        <p:spPr>
+          <a:xfrm flipH="1" flipV="1">
+            <a:off x="5027877" y="1229227"/>
+            <a:ext cx="6814" cy="615448"/>
+          </a:xfrm>
+          <a:prstGeom prst="straightConnector1">
+            <a:avLst/>
+          </a:prstGeom>
+          <a:ln w="28575" cmpd="sng">
+            <a:solidFill>
+              <a:schemeClr val="tx2"/>
+            </a:solidFill>
+            <a:prstDash val="dash"/>
+            <a:headEnd type="none"/>
+            <a:tailEnd type="arrow"/>
+          </a:ln>
+        </p:spPr>
+        <p:style>
+          <a:lnRef idx="1">
+            <a:schemeClr val="accent1"/>
+          </a:lnRef>
+          <a:fillRef idx="0">
+            <a:schemeClr val="accent1"/>
+          </a:fillRef>
+          <a:effectRef idx="0">
+            <a:schemeClr val="accent1"/>
+          </a:effectRef>
+          <a:fontRef idx="minor">
+            <a:schemeClr val="tx1"/>
+          </a:fontRef>
+        </p:style>
+      </p:cxnSp>
+      <p:cxnSp>
+        <p:nvCxnSpPr>
+          <p:cNvPr id="34" name="Straight Arrow Connector 33"/>
+          <p:cNvCxnSpPr/>
+          <p:nvPr/>
+        </p:nvCxnSpPr>
+        <p:spPr>
+          <a:xfrm>
+            <a:off x="5188201" y="1229227"/>
+            <a:ext cx="0" cy="615447"/>
+          </a:xfrm>
+          <a:prstGeom prst="straightConnector1">
+            <a:avLst/>
+          </a:prstGeom>
+          <a:ln w="28575" cmpd="sng">
+            <a:solidFill>
+              <a:schemeClr val="tx2"/>
+            </a:solidFill>
+            <a:prstDash val="dash"/>
+            <a:headEnd type="none"/>
+            <a:tailEnd type="arrow"/>
+          </a:ln>
+        </p:spPr>
+        <p:style>
+          <a:lnRef idx="1">
+            <a:schemeClr val="accent1"/>
+          </a:lnRef>
+          <a:fillRef idx="0">
+            <a:schemeClr val="accent1"/>
+          </a:fillRef>
+          <a:effectRef idx="0">
+            <a:schemeClr val="accent1"/>
+          </a:effectRef>
+          <a:fontRef idx="minor">
+            <a:schemeClr val="tx1"/>
+          </a:fontRef>
+        </p:style>
+      </p:cxnSp>
+      <p:cxnSp>
+        <p:nvCxnSpPr>
+          <p:cNvPr id="35" name="Straight Arrow Connector 34"/>
+          <p:cNvCxnSpPr/>
+          <p:nvPr/>
+        </p:nvCxnSpPr>
+        <p:spPr>
+          <a:xfrm flipV="1">
+            <a:off x="6627317" y="2102571"/>
+            <a:ext cx="605022" cy="3036"/>
+          </a:xfrm>
+          <a:prstGeom prst="straightConnector1">
+            <a:avLst/>
+          </a:prstGeom>
+          <a:ln w="28575" cmpd="sng">
+            <a:solidFill>
+              <a:schemeClr val="accent3"/>
+            </a:solidFill>
+            <a:headEnd type="none"/>
+            <a:tailEnd type="arrow"/>
+          </a:ln>
+        </p:spPr>
+        <p:style>
+          <a:lnRef idx="1">
+            <a:schemeClr val="accent1"/>
+          </a:lnRef>
+          <a:fillRef idx="0">
+            <a:schemeClr val="accent1"/>
+          </a:fillRef>
+          <a:effectRef idx="0">
+            <a:schemeClr val="accent1"/>
+          </a:effectRef>
+          <a:fontRef idx="minor">
+            <a:schemeClr val="tx1"/>
+          </a:fontRef>
+        </p:style>
+      </p:cxnSp>
+      <p:cxnSp>
+        <p:nvCxnSpPr>
+          <p:cNvPr id="36" name="Straight Arrow Connector 35"/>
+          <p:cNvCxnSpPr/>
+          <p:nvPr/>
+        </p:nvCxnSpPr>
+        <p:spPr>
+          <a:xfrm flipV="1">
+            <a:off x="6627317" y="1950590"/>
+            <a:ext cx="605022" cy="11252"/>
+          </a:xfrm>
+          <a:prstGeom prst="straightConnector1">
+            <a:avLst/>
+          </a:prstGeom>
+          <a:ln w="28575" cmpd="sng">
+            <a:solidFill>
+              <a:schemeClr val="accent3"/>
+            </a:solidFill>
+            <a:headEnd type="none"/>
+            <a:tailEnd type="arrow"/>
+          </a:ln>
+        </p:spPr>
+        <p:style>
+          <a:lnRef idx="1">
+            <a:schemeClr val="accent1"/>
+          </a:lnRef>
+          <a:fillRef idx="0">
+            <a:schemeClr val="accent1"/>
+          </a:fillRef>
+          <a:effectRef idx="0">
+            <a:schemeClr val="accent1"/>
+          </a:effectRef>
+          <a:fontRef idx="minor">
+            <a:schemeClr val="tx1"/>
+          </a:fontRef>
+        </p:style>
+      </p:cxnSp>
+      <p:pic>
+        <p:nvPicPr>
+          <p:cNvPr id="38" name="pasted-image.png"/>
+          <p:cNvPicPr/>
+          <p:nvPr/>
+        </p:nvPicPr>
+        <p:blipFill>
+          <a:blip r:embed="rId4">
+            <a:extLst/>
+          </a:blip>
+          <a:stretch>
+            <a:fillRect/>
+          </a:stretch>
+        </p:blipFill>
+        <p:spPr>
+          <a:xfrm>
+            <a:off x="3940177" y="2998513"/>
+            <a:ext cx="376097" cy="356530"/>
+          </a:xfrm>
+          <a:prstGeom prst="rect">
+            <a:avLst/>
+          </a:prstGeom>
+          <a:ln w="12700">
+            <a:miter lim="400000"/>
+          </a:ln>
+        </p:spPr>
+      </p:pic>
+      <p:sp>
+        <p:nvSpPr>
+          <p:cNvPr id="39" name="Shape 1426"/>
+          <p:cNvSpPr/>
+          <p:nvPr/>
+        </p:nvSpPr>
+        <p:spPr>
+          <a:xfrm>
+            <a:off x="3751993" y="3426591"/>
+            <a:ext cx="798971" cy="203219"/>
+          </a:xfrm>
+          <a:prstGeom prst="rect">
+            <a:avLst/>
+          </a:prstGeom>
+          <a:ln w="12700">
+            <a:miter lim="400000"/>
+          </a:ln>
+          <a:extLst>
+            <a:ext uri="{C572A759-6A51-4108-AA02-DFA0A04FC94B}">
+              <ma14:wrappingTextBoxFlag xmlns:ma14="http://schemas.microsoft.com/office/mac/drawingml/2011/main" val="1"/>
+            </a:ext>
+          </a:extLst>
+        </p:spPr>
+        <p:txBody>
+          <a:bodyPr lIns="0" tIns="0" rIns="0" bIns="0"/>
+          <a:lstStyle>
+            <a:lvl1pPr algn="ctr">
+              <a:defRPr sz="1100">
+                <a:solidFill>
+                  <a:srgbClr val="29756E"/>
+                </a:solidFill>
+                <a:uFillTx/>
+                <a:latin typeface="Avenir Next Demi Bold"/>
+                <a:ea typeface="Avenir Next Demi Bold"/>
+                <a:cs typeface="Avenir Next Demi Bold"/>
+                <a:sym typeface="Avenir Next Demi Bold"/>
+              </a:defRPr>
+            </a:lvl1pPr>
+          </a:lstStyle>
+          <a:p>
+            <a:pPr lvl="0">
+              <a:defRPr sz="1800">
+                <a:solidFill>
+                  <a:srgbClr val="000000"/>
+                </a:solidFill>
+              </a:defRPr>
+            </a:pPr>
+            <a:r>
+              <a:rPr sz="1200" dirty="0">
+                <a:solidFill>
+                  <a:srgbClr val="29756E"/>
+                </a:solidFill>
+                <a:latin typeface="+mn-lt"/>
+              </a:rPr>
+              <a:t>GemFire</a:t>
+            </a:r>
+          </a:p>
+        </p:txBody>
+      </p:sp>
+      <p:sp>
+        <p:nvSpPr>
+          <p:cNvPr id="47" name="Shape 1350"/>
+          <p:cNvSpPr/>
+          <p:nvPr/>
+        </p:nvSpPr>
+        <p:spPr>
+          <a:xfrm>
+            <a:off x="7736987" y="3533608"/>
+            <a:ext cx="497504" cy="195441"/>
+          </a:xfrm>
+          <a:prstGeom prst="rect">
+            <a:avLst/>
+          </a:prstGeom>
+          <a:ln w="12700">
+            <a:miter lim="400000"/>
+          </a:ln>
+          <a:extLst>
+            <a:ext uri="{C572A759-6A51-4108-AA02-DFA0A04FC94B}">
+              <ma14:wrappingTextBoxFlag xmlns:ma14="http://schemas.microsoft.com/office/mac/drawingml/2011/main" val="1"/>
+            </a:ext>
+          </a:extLst>
+        </p:spPr>
+        <p:txBody>
+          <a:bodyPr lIns="0" tIns="0" rIns="0" bIns="0"/>
+          <a:lstStyle>
+            <a:lvl1pPr algn="r">
+              <a:defRPr sz="1100">
+                <a:solidFill>
+                  <a:srgbClr val="29756E"/>
+                </a:solidFill>
+                <a:uFillTx/>
+                <a:latin typeface="Avenir Next Demi Bold"/>
+                <a:ea typeface="Avenir Next Demi Bold"/>
+                <a:cs typeface="Avenir Next Demi Bold"/>
+                <a:sym typeface="Avenir Next Demi Bold"/>
+              </a:defRPr>
+            </a:lvl1pPr>
+          </a:lstStyle>
+          <a:p>
+            <a:pPr lvl="0" algn="l">
+              <a:defRPr sz="1800">
+                <a:solidFill>
+                  <a:srgbClr val="000000"/>
+                </a:solidFill>
+              </a:defRPr>
+            </a:pPr>
+            <a:r>
+              <a:rPr sz="1050" dirty="0">
+                <a:solidFill>
+                  <a:srgbClr val="29756E"/>
+                </a:solidFill>
+              </a:rPr>
+              <a:t>HAWQ</a:t>
+            </a:r>
+          </a:p>
+        </p:txBody>
+      </p:sp>
+      <p:sp>
+        <p:nvSpPr>
+          <p:cNvPr id="48" name="Rectangle 47"/>
+          <p:cNvSpPr/>
+          <p:nvPr/>
+        </p:nvSpPr>
+        <p:spPr>
+          <a:xfrm>
+            <a:off x="7323190" y="1594657"/>
+            <a:ext cx="1300593" cy="991631"/>
+          </a:xfrm>
+          <a:prstGeom prst="rect">
+            <a:avLst/>
+          </a:prstGeom>
+          <a:noFill/>
+          <a:ln>
+            <a:solidFill>
+              <a:schemeClr val="accent1">
+                <a:lumMod val="50000"/>
+              </a:schemeClr>
+            </a:solidFill>
+          </a:ln>
+        </p:spPr>
+        <p:style>
+          <a:lnRef idx="2">
+            <a:schemeClr val="accent1">
+              <a:shade val="50000"/>
+            </a:schemeClr>
+          </a:lnRef>
+          <a:fillRef idx="1">
+            <a:schemeClr val="accent1"/>
+          </a:fillRef>
+          <a:effectRef idx="0">
+            <a:schemeClr val="accent1"/>
+          </a:effectRef>
+          <a:fontRef idx="minor">
+            <a:schemeClr val="lt1"/>
+          </a:fontRef>
+        </p:style>
+        <p:txBody>
+          <a:bodyPr rot="0" spcFirstLastPara="1" vertOverflow="overflow" horzOverflow="overflow" vert="horz" wrap="square" lIns="45719" tIns="45719" rIns="45719" bIns="45719" numCol="1" spcCol="38100" rtlCol="0" anchor="ctr">
+            <a:spAutoFit/>
+          </a:bodyPr>
+          <a:lstStyle/>
+          <a:p>
+            <a:pPr marL="0" marR="0" indent="0" algn="l" defTabSz="914400" rtl="0" fontAlgn="auto" latinLnBrk="1" hangingPunct="0">
+              <a:lnSpc>
+                <a:spcPct val="100000"/>
+              </a:lnSpc>
+              <a:spcBef>
+                <a:spcPts val="0"/>
+              </a:spcBef>
+              <a:spcAft>
+                <a:spcPts val="0"/>
+              </a:spcAft>
+              <a:buClrTx/>
+              <a:buSzTx/>
+              <a:buFontTx/>
+              <a:buNone/>
+              <a:tabLst/>
+            </a:pPr>
+            <a:endParaRPr kumimoji="0" lang="en-US" sz="1800" b="0" i="0" u="none" strike="noStrike" cap="none" spc="0" normalizeH="0" baseline="0" dirty="0">
+              <a:ln>
+                <a:noFill/>
+              </a:ln>
+              <a:solidFill>
+                <a:srgbClr val="4D4D4D"/>
+              </a:solidFill>
+              <a:effectLst/>
+              <a:uFill>
+                <a:solidFill>
+                  <a:srgbClr val="4D4D4D"/>
+                </a:solidFill>
+              </a:uFill>
+              <a:latin typeface="Arial"/>
+              <a:ea typeface="Arial"/>
+              <a:cs typeface="Arial"/>
+              <a:sym typeface="Arial"/>
+            </a:endParaRPr>
+          </a:p>
+        </p:txBody>
+      </p:sp>
+      <p:sp>
+        <p:nvSpPr>
+          <p:cNvPr id="49" name="Rounded Rectangle 48"/>
+          <p:cNvSpPr/>
+          <p:nvPr/>
+        </p:nvSpPr>
+        <p:spPr bwMode="auto">
+          <a:xfrm>
+            <a:off x="7589456" y="2064904"/>
+            <a:ext cx="814712" cy="273378"/>
+          </a:xfrm>
+          <a:prstGeom prst="roundRect">
+            <a:avLst>
+              <a:gd name="adj" fmla="val 3846"/>
+            </a:avLst>
+          </a:prstGeom>
+          <a:solidFill>
+            <a:schemeClr val="accent1">
+              <a:lumMod val="75000"/>
+            </a:schemeClr>
+          </a:solidFill>
+          <a:ln w="9525" cap="flat" cmpd="sng" algn="ctr">
+            <a:solidFill>
+              <a:srgbClr val="4D4D4D"/>
+            </a:solidFill>
+            <a:prstDash val="solid"/>
+          </a:ln>
+          <a:effectLst>
+            <a:outerShdw blurRad="40000" dist="23000" dir="5400000" rotWithShape="0">
+              <a:srgbClr val="000000">
+                <a:alpha val="35000"/>
+              </a:srgbClr>
+            </a:outerShdw>
+          </a:effectLst>
+        </p:spPr>
+        <p:txBody>
+          <a:bodyPr anchor="ctr"/>
+          <a:lstStyle/>
+          <a:p>
+            <a:pPr algn="ctr" fontAlgn="auto">
+              <a:spcBef>
+                <a:spcPts val="0"/>
+              </a:spcBef>
+              <a:spcAft>
+                <a:spcPts val="0"/>
+              </a:spcAft>
+              <a:defRPr/>
+            </a:pPr>
+            <a:r>
+              <a:rPr lang="en-US" sz="1200" dirty="0">
+                <a:solidFill>
+                  <a:srgbClr val="FFFFFF"/>
+                </a:solidFill>
+                <a:latin typeface="Verdana" charset="0"/>
+                <a:ea typeface="+mn-ea"/>
+                <a:cs typeface="+mn-cs"/>
+              </a:rPr>
+              <a:t>HDFS</a:t>
+            </a:r>
+          </a:p>
+        </p:txBody>
+      </p:sp>
+      <p:sp>
+        <p:nvSpPr>
+          <p:cNvPr id="50" name="Shape 1426"/>
+          <p:cNvSpPr/>
+          <p:nvPr/>
+        </p:nvSpPr>
+        <p:spPr>
+          <a:xfrm>
+            <a:off x="7352921" y="1691320"/>
+            <a:ext cx="1270862" cy="233481"/>
+          </a:xfrm>
+          <a:prstGeom prst="rect">
+            <a:avLst/>
+          </a:prstGeom>
+          <a:ln w="12700">
+            <a:miter lim="400000"/>
+          </a:ln>
+          <a:extLst>
+            <a:ext uri="{C572A759-6A51-4108-AA02-DFA0A04FC94B}">
+              <ma14:wrappingTextBoxFlag xmlns:ma14="http://schemas.microsoft.com/office/mac/drawingml/2011/main" val="1"/>
+            </a:ext>
+          </a:extLst>
+        </p:spPr>
+        <p:txBody>
+          <a:bodyPr lIns="0" tIns="0" rIns="0" bIns="0"/>
+          <a:lstStyle>
+            <a:lvl1pPr algn="ctr">
+              <a:defRPr sz="1100">
+                <a:solidFill>
+                  <a:srgbClr val="29756E"/>
+                </a:solidFill>
+                <a:uFillTx/>
+                <a:latin typeface="Avenir Next Demi Bold"/>
+                <a:ea typeface="Avenir Next Demi Bold"/>
+                <a:cs typeface="Avenir Next Demi Bold"/>
+                <a:sym typeface="Avenir Next Demi Bold"/>
+              </a:defRPr>
+            </a:lvl1pPr>
+          </a:lstStyle>
+          <a:p>
+            <a:pPr lvl="0">
+              <a:defRPr sz="1800">
+                <a:solidFill>
+                  <a:srgbClr val="000000"/>
+                </a:solidFill>
+              </a:defRPr>
+            </a:pPr>
+            <a:r>
+              <a:rPr lang="x-none" sz="1200" dirty="0" smtClean="0">
+                <a:solidFill>
+                  <a:srgbClr val="29756E"/>
+                </a:solidFill>
+              </a:rPr>
+              <a:t>Data Lake</a:t>
+            </a:r>
+            <a:endParaRPr sz="1200" dirty="0">
+              <a:solidFill>
+                <a:srgbClr val="29756E"/>
+              </a:solidFill>
+            </a:endParaRPr>
+          </a:p>
+        </p:txBody>
+      </p:sp>
+      <p:sp>
+        <p:nvSpPr>
+          <p:cNvPr id="51" name="Shape 1066"/>
+          <p:cNvSpPr/>
+          <p:nvPr/>
+        </p:nvSpPr>
+        <p:spPr>
+          <a:xfrm>
+            <a:off x="373596" y="1603665"/>
+            <a:ext cx="1050463" cy="385764"/>
+          </a:xfrm>
+          <a:prstGeom prst="rect">
+            <a:avLst/>
+          </a:prstGeom>
+          <a:ln w="12700">
+            <a:miter lim="400000"/>
+          </a:ln>
+          <a:extLst>
+            <a:ext uri="{C572A759-6A51-4108-AA02-DFA0A04FC94B}">
+              <ma14:wrappingTextBoxFlag xmlns:ma14="http://schemas.microsoft.com/office/mac/drawingml/2011/main" val="1"/>
+            </a:ext>
+          </a:extLst>
+        </p:spPr>
+        <p:txBody>
+          <a:bodyPr lIns="0" tIns="0" rIns="0" bIns="0"/>
+          <a:lstStyle>
+            <a:lvl1pPr algn="ctr">
+              <a:defRPr sz="1300">
+                <a:solidFill>
+                  <a:srgbClr val="29756E"/>
+                </a:solidFill>
+                <a:uFillTx/>
+                <a:latin typeface="Avenir Next Demi Bold"/>
+                <a:ea typeface="Avenir Next Demi Bold"/>
+                <a:cs typeface="Avenir Next Demi Bold"/>
+                <a:sym typeface="Avenir Next Demi Bold"/>
+              </a:defRPr>
+            </a:lvl1pPr>
+          </a:lstStyle>
+          <a:p>
+            <a:pPr lvl="0">
+              <a:defRPr sz="1800">
+                <a:solidFill>
+                  <a:srgbClr val="000000"/>
+                </a:solidFill>
+              </a:defRPr>
+            </a:pPr>
+            <a:r>
+              <a:rPr sz="1200" dirty="0">
+                <a:solidFill>
+                  <a:srgbClr val="29756E"/>
+                </a:solidFill>
+              </a:rPr>
+              <a:t>Ingestion</a:t>
+            </a:r>
+          </a:p>
+        </p:txBody>
+      </p:sp>
+      <p:sp>
+        <p:nvSpPr>
+          <p:cNvPr id="52" name="Shape 1068"/>
+          <p:cNvSpPr/>
+          <p:nvPr/>
+        </p:nvSpPr>
+        <p:spPr>
+          <a:xfrm>
+            <a:off x="326740" y="2204125"/>
+            <a:ext cx="1115333" cy="251602"/>
+          </a:xfrm>
+          <a:prstGeom prst="rect">
+            <a:avLst/>
+          </a:prstGeom>
+          <a:solidFill>
+            <a:srgbClr val="FFFFFF"/>
+          </a:solidFill>
+          <a:ln w="12700">
+            <a:miter lim="400000"/>
+          </a:ln>
+          <a:extLst>
+            <a:ext uri="{C572A759-6A51-4108-AA02-DFA0A04FC94B}">
+              <ma14:wrappingTextBoxFlag xmlns:ma14="http://schemas.microsoft.com/office/mac/drawingml/2011/main" val="1"/>
+            </a:ext>
+          </a:extLst>
+        </p:spPr>
+        <p:txBody>
+          <a:bodyPr lIns="0" tIns="0" rIns="0" bIns="0"/>
+          <a:lstStyle/>
+          <a:p>
+            <a:pPr lvl="0" algn="ctr">
+              <a:defRPr>
+                <a:solidFill>
+                  <a:srgbClr val="000000"/>
+                </a:solidFill>
+                <a:uFillTx/>
+              </a:defRPr>
+            </a:pPr>
+            <a:r>
+              <a:rPr sz="1100" dirty="0">
+                <a:solidFill>
+                  <a:srgbClr val="949494"/>
+                </a:solidFill>
+                <a:latin typeface="Avenir Next Demi Bold"/>
+                <a:ea typeface="Avenir Next Demi Bold"/>
+                <a:cs typeface="Avenir Next Demi Bold"/>
+                <a:sym typeface="Avenir Next Demi Bold"/>
+              </a:rPr>
+              <a:t>JSON / HTTP</a:t>
+            </a:r>
+          </a:p>
+        </p:txBody>
+      </p:sp>
+      <p:sp>
+        <p:nvSpPr>
+          <p:cNvPr id="57" name="Shape 1426"/>
+          <p:cNvSpPr/>
+          <p:nvPr/>
+        </p:nvSpPr>
+        <p:spPr>
+          <a:xfrm>
+            <a:off x="4318874" y="2515250"/>
+            <a:ext cx="833240" cy="224959"/>
+          </a:xfrm>
+          <a:prstGeom prst="rect">
+            <a:avLst/>
+          </a:prstGeom>
+          <a:ln w="12700">
+            <a:miter lim="400000"/>
+          </a:ln>
+          <a:extLst>
+            <a:ext uri="{C572A759-6A51-4108-AA02-DFA0A04FC94B}">
+              <ma14:wrappingTextBoxFlag xmlns:ma14="http://schemas.microsoft.com/office/mac/drawingml/2011/main" val="1"/>
+            </a:ext>
+          </a:extLst>
+        </p:spPr>
+        <p:txBody>
+          <a:bodyPr lIns="0" tIns="0" rIns="0" bIns="0"/>
+          <a:lstStyle>
+            <a:lvl1pPr algn="ctr">
+              <a:defRPr sz="1100">
+                <a:solidFill>
+                  <a:srgbClr val="29756E"/>
+                </a:solidFill>
+                <a:uFillTx/>
+                <a:latin typeface="Avenir Next Demi Bold"/>
+                <a:ea typeface="Avenir Next Demi Bold"/>
+                <a:cs typeface="Avenir Next Demi Bold"/>
+                <a:sym typeface="Avenir Next Demi Bold"/>
+              </a:defRPr>
+            </a:lvl1pPr>
+          </a:lstStyle>
+          <a:p>
+            <a:pPr lvl="0" algn="l">
+              <a:defRPr sz="1800">
+                <a:solidFill>
+                  <a:srgbClr val="000000"/>
+                </a:solidFill>
+              </a:defRPr>
+            </a:pPr>
+            <a:r>
+              <a:rPr lang="x-none" sz="1050" dirty="0" smtClean="0">
+                <a:solidFill>
+                  <a:srgbClr val="29756E"/>
+                </a:solidFill>
+                <a:latin typeface="+mn-lt"/>
+              </a:rPr>
+              <a:t>Tap</a:t>
+            </a:r>
+            <a:endParaRPr sz="1050" dirty="0">
+              <a:solidFill>
+                <a:srgbClr val="29756E"/>
+              </a:solidFill>
+              <a:latin typeface="+mn-lt"/>
+            </a:endParaRPr>
+          </a:p>
+        </p:txBody>
+      </p:sp>
+      <p:sp>
+        <p:nvSpPr>
+          <p:cNvPr id="58" name="Shape 1426"/>
+          <p:cNvSpPr/>
+          <p:nvPr/>
+        </p:nvSpPr>
+        <p:spPr>
+          <a:xfrm>
+            <a:off x="4336947" y="1283275"/>
+            <a:ext cx="547367" cy="224959"/>
+          </a:xfrm>
+          <a:prstGeom prst="rect">
+            <a:avLst/>
+          </a:prstGeom>
+          <a:ln w="12700">
+            <a:miter lim="400000"/>
+          </a:ln>
+          <a:extLst>
+            <a:ext uri="{C572A759-6A51-4108-AA02-DFA0A04FC94B}">
+              <ma14:wrappingTextBoxFlag xmlns:ma14="http://schemas.microsoft.com/office/mac/drawingml/2011/main" val="1"/>
+            </a:ext>
+          </a:extLst>
+        </p:spPr>
+        <p:txBody>
+          <a:bodyPr lIns="0" tIns="0" rIns="0" bIns="0"/>
+          <a:lstStyle>
+            <a:lvl1pPr algn="ctr">
+              <a:defRPr sz="1100">
+                <a:solidFill>
+                  <a:srgbClr val="29756E"/>
+                </a:solidFill>
+                <a:uFillTx/>
+                <a:latin typeface="Avenir Next Demi Bold"/>
+                <a:ea typeface="Avenir Next Demi Bold"/>
+                <a:cs typeface="Avenir Next Demi Bold"/>
+                <a:sym typeface="Avenir Next Demi Bold"/>
+              </a:defRPr>
+            </a:lvl1pPr>
+          </a:lstStyle>
+          <a:p>
+            <a:pPr lvl="0" algn="r">
+              <a:defRPr sz="1800">
+                <a:solidFill>
+                  <a:srgbClr val="000000"/>
+                </a:solidFill>
+              </a:defRPr>
+            </a:pPr>
+            <a:r>
+              <a:rPr lang="x-none" sz="1000" dirty="0" smtClean="0">
+                <a:solidFill>
+                  <a:schemeClr val="tx1">
+                    <a:lumMod val="60000"/>
+                    <a:lumOff val="40000"/>
+                  </a:schemeClr>
+                </a:solidFill>
+                <a:latin typeface="+mn-lt"/>
+              </a:rPr>
+              <a:t>JSON</a:t>
+            </a:r>
+            <a:endParaRPr sz="1000" dirty="0">
+              <a:solidFill>
+                <a:schemeClr val="tx1">
+                  <a:lumMod val="60000"/>
+                  <a:lumOff val="40000"/>
+                </a:schemeClr>
+              </a:solidFill>
+              <a:latin typeface="+mn-lt"/>
+            </a:endParaRPr>
+          </a:p>
+        </p:txBody>
+      </p:sp>
+      <p:sp>
+        <p:nvSpPr>
+          <p:cNvPr id="64" name="Shape 1426"/>
+          <p:cNvSpPr/>
+          <p:nvPr/>
+        </p:nvSpPr>
+        <p:spPr>
+          <a:xfrm>
+            <a:off x="5337437" y="1273772"/>
+            <a:ext cx="547367" cy="224959"/>
+          </a:xfrm>
+          <a:prstGeom prst="rect">
+            <a:avLst/>
+          </a:prstGeom>
+          <a:ln w="12700">
+            <a:miter lim="400000"/>
+          </a:ln>
+          <a:extLst>
+            <a:ext uri="{C572A759-6A51-4108-AA02-DFA0A04FC94B}">
+              <ma14:wrappingTextBoxFlag xmlns:ma14="http://schemas.microsoft.com/office/mac/drawingml/2011/main" val="1"/>
+            </a:ext>
+          </a:extLst>
+        </p:spPr>
+        <p:txBody>
+          <a:bodyPr lIns="0" tIns="0" rIns="0" bIns="0"/>
+          <a:lstStyle>
+            <a:lvl1pPr algn="ctr">
+              <a:defRPr sz="1100">
+                <a:solidFill>
+                  <a:srgbClr val="29756E"/>
+                </a:solidFill>
+                <a:uFillTx/>
+                <a:latin typeface="Avenir Next Demi Bold"/>
+                <a:ea typeface="Avenir Next Demi Bold"/>
+                <a:cs typeface="Avenir Next Demi Bold"/>
+                <a:sym typeface="Avenir Next Demi Bold"/>
+              </a:defRPr>
+            </a:lvl1pPr>
+          </a:lstStyle>
+          <a:p>
+            <a:pPr lvl="0" algn="l">
+              <a:defRPr sz="1800">
+                <a:solidFill>
+                  <a:srgbClr val="000000"/>
+                </a:solidFill>
+              </a:defRPr>
+            </a:pPr>
+            <a:r>
+              <a:rPr lang="x-none" sz="1000" dirty="0" smtClean="0">
+                <a:solidFill>
+                  <a:schemeClr val="tx1">
+                    <a:lumMod val="60000"/>
+                    <a:lumOff val="40000"/>
+                  </a:schemeClr>
+                </a:solidFill>
+                <a:latin typeface="+mn-lt"/>
+              </a:rPr>
+              <a:t>CSV</a:t>
+            </a:r>
+            <a:endParaRPr sz="1000" dirty="0">
+              <a:solidFill>
+                <a:schemeClr val="tx1">
+                  <a:lumMod val="60000"/>
+                  <a:lumOff val="40000"/>
+                </a:schemeClr>
+              </a:solidFill>
+              <a:latin typeface="+mn-lt"/>
+            </a:endParaRPr>
+          </a:p>
+        </p:txBody>
+      </p:sp>
+      <p:sp>
+        <p:nvSpPr>
+          <p:cNvPr id="70" name="Shape 1426"/>
+          <p:cNvSpPr/>
+          <p:nvPr/>
+        </p:nvSpPr>
+        <p:spPr>
+          <a:xfrm>
+            <a:off x="7429856" y="2739532"/>
+            <a:ext cx="1016195" cy="413312"/>
+          </a:xfrm>
+          <a:prstGeom prst="rect">
+            <a:avLst/>
+          </a:prstGeom>
+          <a:ln w="12700">
+            <a:miter lim="400000"/>
+          </a:ln>
+          <a:extLst>
+            <a:ext uri="{C572A759-6A51-4108-AA02-DFA0A04FC94B}">
+              <ma14:wrappingTextBoxFlag xmlns:ma14="http://schemas.microsoft.com/office/mac/drawingml/2011/main" val="1"/>
+            </a:ext>
+          </a:extLst>
+        </p:spPr>
+        <p:txBody>
+          <a:bodyPr lIns="0" tIns="0" rIns="0" bIns="0"/>
+          <a:lstStyle>
+            <a:lvl1pPr algn="ctr">
+              <a:defRPr sz="1100">
+                <a:solidFill>
+                  <a:srgbClr val="29756E"/>
+                </a:solidFill>
+                <a:uFillTx/>
+                <a:latin typeface="Avenir Next Demi Bold"/>
+                <a:ea typeface="Avenir Next Demi Bold"/>
+                <a:cs typeface="Avenir Next Demi Bold"/>
+                <a:sym typeface="Avenir Next Demi Bold"/>
+              </a:defRPr>
+            </a:lvl1pPr>
+          </a:lstStyle>
+          <a:p>
+            <a:pPr lvl="0">
+              <a:defRPr sz="1800">
+                <a:solidFill>
+                  <a:srgbClr val="000000"/>
+                </a:solidFill>
+              </a:defRPr>
+            </a:pPr>
+            <a:r>
+              <a:rPr lang="x-none" sz="1200" dirty="0" smtClean="0">
+                <a:solidFill>
+                  <a:srgbClr val="29756E"/>
+                </a:solidFill>
+              </a:rPr>
+              <a:t>Advanced Analytics</a:t>
+            </a:r>
+            <a:endParaRPr sz="1200" dirty="0">
+              <a:solidFill>
+                <a:srgbClr val="29756E"/>
+              </a:solidFill>
+            </a:endParaRPr>
+          </a:p>
+        </p:txBody>
+      </p:sp>
+      <p:sp>
+        <p:nvSpPr>
+          <p:cNvPr id="71" name="Rectangle 70"/>
+          <p:cNvSpPr/>
+          <p:nvPr/>
+        </p:nvSpPr>
+        <p:spPr>
+          <a:xfrm>
+            <a:off x="7323190" y="2631436"/>
+            <a:ext cx="1300593" cy="1106621"/>
+          </a:xfrm>
+          <a:prstGeom prst="rect">
+            <a:avLst/>
+          </a:prstGeom>
+          <a:noFill/>
+          <a:ln>
+            <a:solidFill>
+              <a:schemeClr val="accent1">
+                <a:lumMod val="50000"/>
+              </a:schemeClr>
+            </a:solidFill>
+          </a:ln>
+        </p:spPr>
+        <p:style>
+          <a:lnRef idx="2">
+            <a:schemeClr val="accent1">
+              <a:shade val="50000"/>
+            </a:schemeClr>
+          </a:lnRef>
+          <a:fillRef idx="1">
+            <a:schemeClr val="accent1"/>
+          </a:fillRef>
+          <a:effectRef idx="0">
+            <a:schemeClr val="accent1"/>
+          </a:effectRef>
+          <a:fontRef idx="minor">
+            <a:schemeClr val="lt1"/>
+          </a:fontRef>
+        </p:style>
+        <p:txBody>
+          <a:bodyPr rot="0" spcFirstLastPara="1" vertOverflow="overflow" horzOverflow="overflow" vert="horz" wrap="square" lIns="45719" tIns="45719" rIns="45719" bIns="45719" numCol="1" spcCol="38100" rtlCol="0" anchor="ctr">
+            <a:spAutoFit/>
+          </a:bodyPr>
+          <a:lstStyle/>
+          <a:p>
+            <a:pPr marL="0" marR="0" indent="0" algn="l" defTabSz="914400" rtl="0" fontAlgn="auto" latinLnBrk="1" hangingPunct="0">
+              <a:lnSpc>
+                <a:spcPct val="100000"/>
+              </a:lnSpc>
+              <a:spcBef>
+                <a:spcPts val="0"/>
+              </a:spcBef>
+              <a:spcAft>
+                <a:spcPts val="0"/>
+              </a:spcAft>
+              <a:buClrTx/>
+              <a:buSzTx/>
+              <a:buFontTx/>
+              <a:buNone/>
+              <a:tabLst/>
+            </a:pPr>
+            <a:endParaRPr kumimoji="0" lang="en-US" sz="1800" b="0" i="0" u="none" strike="noStrike" cap="none" spc="0" normalizeH="0" baseline="0" dirty="0">
+              <a:ln>
+                <a:noFill/>
+              </a:ln>
+              <a:solidFill>
+                <a:srgbClr val="4D4D4D"/>
+              </a:solidFill>
+              <a:effectLst/>
+              <a:uFill>
+                <a:solidFill>
+                  <a:srgbClr val="4D4D4D"/>
+                </a:solidFill>
+              </a:uFill>
+              <a:latin typeface="Arial"/>
+              <a:ea typeface="Arial"/>
+              <a:cs typeface="Arial"/>
+              <a:sym typeface="Arial"/>
+            </a:endParaRPr>
+          </a:p>
+        </p:txBody>
+      </p:sp>
+      <p:sp>
+        <p:nvSpPr>
+          <p:cNvPr id="72" name="Shape 1148"/>
+          <p:cNvSpPr>
+            <a:spLocks noGrp="1"/>
+          </p:cNvSpPr>
+          <p:nvPr>
+            <p:ph type="title" idx="4294967295"/>
+          </p:nvPr>
+        </p:nvSpPr>
+        <p:spPr>
+          <a:xfrm>
+            <a:off x="268373" y="170497"/>
+            <a:ext cx="8410576" cy="460376"/>
+          </a:xfrm>
+          <a:prstGeom prst="rect">
+            <a:avLst/>
+          </a:prstGeom>
+        </p:spPr>
+        <p:txBody>
+          <a:bodyPr>
+            <a:normAutofit/>
+          </a:bodyPr>
+          <a:lstStyle>
+            <a:lvl1pPr>
+              <a:defRPr sz="2300">
+                <a:solidFill>
+                  <a:srgbClr val="00685D"/>
+                </a:solidFill>
+                <a:uFillTx/>
+              </a:defRPr>
+            </a:lvl1pPr>
+          </a:lstStyle>
+          <a:p>
+            <a:pPr lvl="0">
+              <a:defRPr sz="1800">
+                <a:solidFill>
+                  <a:srgbClr val="000000"/>
+                </a:solidFill>
+              </a:defRPr>
+            </a:pPr>
+            <a:r>
+              <a:rPr lang="x-none" sz="2300" dirty="0" smtClean="0">
+                <a:solidFill>
+                  <a:srgbClr val="00685D"/>
+                </a:solidFill>
+              </a:rPr>
+              <a:t>What </a:t>
+            </a:r>
+            <a:r>
+              <a:rPr lang="x-none" sz="2300" dirty="0" smtClean="0">
+                <a:solidFill>
+                  <a:srgbClr val="00685D"/>
+                </a:solidFill>
+              </a:rPr>
+              <a:t>you’re going to build</a:t>
+            </a:r>
+            <a:endParaRPr sz="2300" dirty="0">
+              <a:solidFill>
+                <a:srgbClr val="00685D"/>
+              </a:solidFill>
+            </a:endParaRPr>
+          </a:p>
+        </p:txBody>
+      </p:sp>
+      <p:cxnSp>
+        <p:nvCxnSpPr>
+          <p:cNvPr id="73" name="Straight Arrow Connector 72"/>
+          <p:cNvCxnSpPr/>
+          <p:nvPr/>
+        </p:nvCxnSpPr>
+        <p:spPr>
+          <a:xfrm flipV="1">
+            <a:off x="4071504" y="3793303"/>
+            <a:ext cx="0" cy="341314"/>
+          </a:xfrm>
+          <a:prstGeom prst="straightConnector1">
+            <a:avLst/>
+          </a:prstGeom>
+          <a:ln w="28575" cmpd="sng">
+            <a:solidFill>
+              <a:schemeClr val="accent1">
+                <a:lumMod val="75000"/>
+              </a:schemeClr>
+            </a:solidFill>
+            <a:prstDash val="solid"/>
+            <a:headEnd type="none"/>
+            <a:tailEnd type="arrow"/>
+          </a:ln>
+        </p:spPr>
+        <p:style>
+          <a:lnRef idx="1">
+            <a:schemeClr val="accent1"/>
+          </a:lnRef>
+          <a:fillRef idx="0">
+            <a:schemeClr val="accent1"/>
+          </a:fillRef>
+          <a:effectRef idx="0">
+            <a:schemeClr val="accent1"/>
+          </a:effectRef>
+          <a:fontRef idx="minor">
+            <a:schemeClr val="tx1"/>
+          </a:fontRef>
+        </p:style>
+      </p:cxnSp>
+      <p:cxnSp>
+        <p:nvCxnSpPr>
+          <p:cNvPr id="74" name="Straight Arrow Connector 73"/>
+          <p:cNvCxnSpPr/>
+          <p:nvPr/>
+        </p:nvCxnSpPr>
+        <p:spPr>
+          <a:xfrm>
+            <a:off x="4213814" y="3811319"/>
+            <a:ext cx="0" cy="341313"/>
+          </a:xfrm>
+          <a:prstGeom prst="straightConnector1">
+            <a:avLst/>
+          </a:prstGeom>
+          <a:ln w="28575" cmpd="sng">
+            <a:solidFill>
+              <a:schemeClr val="accent1">
+                <a:lumMod val="75000"/>
+              </a:schemeClr>
+            </a:solidFill>
+            <a:prstDash val="solid"/>
+            <a:headEnd type="none"/>
+            <a:tailEnd type="arrow"/>
+          </a:ln>
+        </p:spPr>
+        <p:style>
+          <a:lnRef idx="1">
+            <a:schemeClr val="accent1"/>
+          </a:lnRef>
+          <a:fillRef idx="0">
+            <a:schemeClr val="accent1"/>
+          </a:fillRef>
+          <a:effectRef idx="0">
+            <a:schemeClr val="accent1"/>
+          </a:effectRef>
+          <a:fontRef idx="minor">
+            <a:schemeClr val="tx1"/>
+          </a:fontRef>
+        </p:style>
+      </p:cxnSp>
+      <p:cxnSp>
+        <p:nvCxnSpPr>
+          <p:cNvPr id="75" name="Straight Arrow Connector 74"/>
+          <p:cNvCxnSpPr/>
+          <p:nvPr/>
+        </p:nvCxnSpPr>
+        <p:spPr>
+          <a:xfrm flipV="1">
+            <a:off x="7913688" y="3829336"/>
+            <a:ext cx="0" cy="341314"/>
+          </a:xfrm>
+          <a:prstGeom prst="straightConnector1">
+            <a:avLst/>
+          </a:prstGeom>
+          <a:ln w="28575" cmpd="sng">
+            <a:solidFill>
+              <a:schemeClr val="accent1">
+                <a:lumMod val="75000"/>
+              </a:schemeClr>
+            </a:solidFill>
+            <a:prstDash val="solid"/>
+            <a:headEnd type="none"/>
+            <a:tailEnd type="arrow"/>
+          </a:ln>
+        </p:spPr>
+        <p:style>
+          <a:lnRef idx="1">
+            <a:schemeClr val="accent1"/>
+          </a:lnRef>
+          <a:fillRef idx="0">
+            <a:schemeClr val="accent1"/>
+          </a:fillRef>
+          <a:effectRef idx="0">
+            <a:schemeClr val="accent1"/>
+          </a:effectRef>
+          <a:fontRef idx="minor">
+            <a:schemeClr val="tx1"/>
+          </a:fontRef>
+        </p:style>
+      </p:cxnSp>
+      <p:cxnSp>
+        <p:nvCxnSpPr>
+          <p:cNvPr id="77" name="Straight Arrow Connector 76"/>
+          <p:cNvCxnSpPr/>
+          <p:nvPr/>
+        </p:nvCxnSpPr>
+        <p:spPr>
+          <a:xfrm>
+            <a:off x="8055998" y="3856360"/>
+            <a:ext cx="0" cy="341313"/>
+          </a:xfrm>
+          <a:prstGeom prst="straightConnector1">
+            <a:avLst/>
+          </a:prstGeom>
+          <a:ln w="28575" cmpd="sng">
+            <a:solidFill>
+              <a:schemeClr val="accent1">
+                <a:lumMod val="75000"/>
+              </a:schemeClr>
+            </a:solidFill>
+            <a:prstDash val="solid"/>
+            <a:headEnd type="none"/>
+            <a:tailEnd type="arrow"/>
+          </a:ln>
+        </p:spPr>
+        <p:style>
+          <a:lnRef idx="1">
+            <a:schemeClr val="accent1"/>
+          </a:lnRef>
+          <a:fillRef idx="0">
+            <a:schemeClr val="accent1"/>
+          </a:fillRef>
+          <a:effectRef idx="0">
+            <a:schemeClr val="accent1"/>
+          </a:effectRef>
+          <a:fontRef idx="minor">
+            <a:schemeClr val="tx1"/>
+          </a:fontRef>
+        </p:style>
+      </p:cxnSp>
+      <p:sp>
+        <p:nvSpPr>
+          <p:cNvPr id="78" name="Shape 1426"/>
+          <p:cNvSpPr/>
+          <p:nvPr/>
+        </p:nvSpPr>
+        <p:spPr>
+          <a:xfrm>
+            <a:off x="4306367" y="3820328"/>
+            <a:ext cx="800712" cy="224959"/>
+          </a:xfrm>
+          <a:prstGeom prst="rect">
+            <a:avLst/>
+          </a:prstGeom>
+          <a:ln w="12700">
+            <a:miter lim="400000"/>
+          </a:ln>
+          <a:extLst>
+            <a:ext uri="{C572A759-6A51-4108-AA02-DFA0A04FC94B}">
+              <ma14:wrappingTextBoxFlag xmlns:ma14="http://schemas.microsoft.com/office/mac/drawingml/2011/main" val="1"/>
+            </a:ext>
+          </a:extLst>
+        </p:spPr>
+        <p:txBody>
+          <a:bodyPr lIns="0" tIns="0" rIns="0" bIns="0"/>
+          <a:lstStyle>
+            <a:lvl1pPr algn="ctr">
+              <a:defRPr sz="1100">
+                <a:solidFill>
+                  <a:srgbClr val="29756E"/>
+                </a:solidFill>
+                <a:uFillTx/>
+                <a:latin typeface="Avenir Next Demi Bold"/>
+                <a:ea typeface="Avenir Next Demi Bold"/>
+                <a:cs typeface="Avenir Next Demi Bold"/>
+                <a:sym typeface="Avenir Next Demi Bold"/>
+              </a:defRPr>
+            </a:lvl1pPr>
+          </a:lstStyle>
+          <a:p>
+            <a:pPr lvl="0" algn="l">
+              <a:defRPr sz="1800">
+                <a:solidFill>
+                  <a:srgbClr val="000000"/>
+                </a:solidFill>
+              </a:defRPr>
+            </a:pPr>
+            <a:r>
+              <a:rPr lang="x-none" sz="1000" dirty="0" smtClean="0">
+                <a:solidFill>
+                  <a:schemeClr val="tx1">
+                    <a:lumMod val="60000"/>
+                    <a:lumOff val="40000"/>
+                  </a:schemeClr>
+                </a:solidFill>
+                <a:latin typeface="+mn-lt"/>
+              </a:rPr>
+              <a:t>JSON / Rest</a:t>
+            </a:r>
+            <a:endParaRPr sz="1000" dirty="0">
+              <a:solidFill>
+                <a:schemeClr val="tx1">
+                  <a:lumMod val="60000"/>
+                  <a:lumOff val="40000"/>
+                </a:schemeClr>
+              </a:solidFill>
+              <a:latin typeface="+mn-lt"/>
+            </a:endParaRPr>
+          </a:p>
+        </p:txBody>
+      </p:sp>
+      <p:sp>
+        <p:nvSpPr>
+          <p:cNvPr id="79" name="Shape 1426"/>
+          <p:cNvSpPr/>
+          <p:nvPr/>
+        </p:nvSpPr>
+        <p:spPr>
+          <a:xfrm>
+            <a:off x="8169720" y="3833467"/>
+            <a:ext cx="716390" cy="224959"/>
+          </a:xfrm>
+          <a:prstGeom prst="rect">
+            <a:avLst/>
+          </a:prstGeom>
+          <a:ln w="12700">
+            <a:miter lim="400000"/>
+          </a:ln>
+          <a:extLst>
+            <a:ext uri="{C572A759-6A51-4108-AA02-DFA0A04FC94B}">
+              <ma14:wrappingTextBoxFlag xmlns:ma14="http://schemas.microsoft.com/office/mac/drawingml/2011/main" val="1"/>
+            </a:ext>
+          </a:extLst>
+        </p:spPr>
+        <p:txBody>
+          <a:bodyPr lIns="0" tIns="0" rIns="0" bIns="0"/>
+          <a:lstStyle>
+            <a:lvl1pPr algn="ctr">
+              <a:defRPr sz="1100">
+                <a:solidFill>
+                  <a:srgbClr val="29756E"/>
+                </a:solidFill>
+                <a:uFillTx/>
+                <a:latin typeface="Avenir Next Demi Bold"/>
+                <a:ea typeface="Avenir Next Demi Bold"/>
+                <a:cs typeface="Avenir Next Demi Bold"/>
+                <a:sym typeface="Avenir Next Demi Bold"/>
+              </a:defRPr>
+            </a:lvl1pPr>
+          </a:lstStyle>
+          <a:p>
+            <a:pPr lvl="0" algn="l">
+              <a:defRPr sz="1800">
+                <a:solidFill>
+                  <a:srgbClr val="000000"/>
+                </a:solidFill>
+              </a:defRPr>
+            </a:pPr>
+            <a:r>
+              <a:rPr lang="x-none" sz="1000" dirty="0" smtClean="0">
+                <a:solidFill>
+                  <a:schemeClr val="tx1">
+                    <a:lumMod val="60000"/>
+                    <a:lumOff val="40000"/>
+                  </a:schemeClr>
+                </a:solidFill>
+                <a:latin typeface="+mn-lt"/>
+              </a:rPr>
+              <a:t>SQL</a:t>
+            </a:r>
+            <a:endParaRPr sz="1000" dirty="0">
+              <a:solidFill>
+                <a:schemeClr val="tx1">
+                  <a:lumMod val="60000"/>
+                  <a:lumOff val="40000"/>
+                </a:schemeClr>
+              </a:solidFill>
+              <a:latin typeface="+mn-lt"/>
+            </a:endParaRPr>
+          </a:p>
+        </p:txBody>
+      </p:sp>
+      <p:sp>
+        <p:nvSpPr>
+          <p:cNvPr id="80" name="Shape 1426"/>
+          <p:cNvSpPr/>
+          <p:nvPr/>
+        </p:nvSpPr>
+        <p:spPr>
+          <a:xfrm>
+            <a:off x="3468614" y="4220823"/>
+            <a:ext cx="1506374" cy="233481"/>
+          </a:xfrm>
+          <a:prstGeom prst="rect">
+            <a:avLst/>
+          </a:prstGeom>
+          <a:ln w="12700">
+            <a:miter lim="400000"/>
+          </a:ln>
+          <a:extLst>
+            <a:ext uri="{C572A759-6A51-4108-AA02-DFA0A04FC94B}">
+              <ma14:wrappingTextBoxFlag xmlns:ma14="http://schemas.microsoft.com/office/mac/drawingml/2011/main" val="1"/>
+            </a:ext>
+          </a:extLst>
+        </p:spPr>
+        <p:txBody>
+          <a:bodyPr lIns="0" tIns="0" rIns="0" bIns="0"/>
+          <a:lstStyle>
+            <a:lvl1pPr algn="ctr">
+              <a:defRPr sz="1100">
+                <a:solidFill>
+                  <a:srgbClr val="29756E"/>
+                </a:solidFill>
+                <a:uFillTx/>
+                <a:latin typeface="Avenir Next Demi Bold"/>
+                <a:ea typeface="Avenir Next Demi Bold"/>
+                <a:cs typeface="Avenir Next Demi Bold"/>
+                <a:sym typeface="Avenir Next Demi Bold"/>
+              </a:defRPr>
+            </a:lvl1pPr>
+          </a:lstStyle>
+          <a:p>
+            <a:pPr lvl="0" algn="l">
+              <a:defRPr sz="1800">
+                <a:solidFill>
+                  <a:srgbClr val="000000"/>
+                </a:solidFill>
+              </a:defRPr>
+            </a:pPr>
+            <a:r>
+              <a:rPr lang="x-none" sz="1300" dirty="0" smtClean="0">
+                <a:solidFill>
+                  <a:srgbClr val="29756E"/>
+                </a:solidFill>
+                <a:latin typeface="+mn-lt"/>
+              </a:rPr>
+              <a:t>Transactional App</a:t>
+            </a:r>
+            <a:endParaRPr sz="1300" dirty="0">
+              <a:solidFill>
+                <a:srgbClr val="29756E"/>
+              </a:solidFill>
+              <a:latin typeface="+mn-lt"/>
+            </a:endParaRPr>
+          </a:p>
+        </p:txBody>
+      </p:sp>
+      <p:sp>
+        <p:nvSpPr>
+          <p:cNvPr id="81" name="Shape 1426"/>
+          <p:cNvSpPr/>
+          <p:nvPr/>
+        </p:nvSpPr>
+        <p:spPr>
+          <a:xfrm>
+            <a:off x="7492904" y="4274357"/>
+            <a:ext cx="1433371" cy="233481"/>
+          </a:xfrm>
+          <a:prstGeom prst="rect">
+            <a:avLst/>
+          </a:prstGeom>
+          <a:ln w="12700">
+            <a:miter lim="400000"/>
+          </a:ln>
+          <a:extLst>
+            <a:ext uri="{C572A759-6A51-4108-AA02-DFA0A04FC94B}">
+              <ma14:wrappingTextBoxFlag xmlns:ma14="http://schemas.microsoft.com/office/mac/drawingml/2011/main" val="1"/>
+            </a:ext>
+          </a:extLst>
+        </p:spPr>
+        <p:txBody>
+          <a:bodyPr lIns="0" tIns="0" rIns="0" bIns="0"/>
+          <a:lstStyle>
+            <a:lvl1pPr algn="ctr">
+              <a:defRPr sz="1100">
+                <a:solidFill>
+                  <a:srgbClr val="29756E"/>
+                </a:solidFill>
+                <a:uFillTx/>
+                <a:latin typeface="Avenir Next Demi Bold"/>
+                <a:ea typeface="Avenir Next Demi Bold"/>
+                <a:cs typeface="Avenir Next Demi Bold"/>
+                <a:sym typeface="Avenir Next Demi Bold"/>
+              </a:defRPr>
+            </a:lvl1pPr>
+          </a:lstStyle>
+          <a:p>
+            <a:pPr lvl="0" algn="l">
+              <a:defRPr sz="1800">
+                <a:solidFill>
+                  <a:srgbClr val="000000"/>
+                </a:solidFill>
+              </a:defRPr>
+            </a:pPr>
+            <a:r>
+              <a:rPr lang="x-none" sz="1300" dirty="0" smtClean="0">
+                <a:solidFill>
+                  <a:srgbClr val="29756E"/>
+                </a:solidFill>
+                <a:latin typeface="+mn-lt"/>
+              </a:rPr>
+              <a:t>Analytics App</a:t>
+            </a:r>
+            <a:endParaRPr sz="1300" dirty="0">
+              <a:solidFill>
+                <a:srgbClr val="29756E"/>
+              </a:solidFill>
+              <a:latin typeface="+mn-lt"/>
+            </a:endParaRPr>
+          </a:p>
+        </p:txBody>
+      </p:sp>
+      <p:sp>
+        <p:nvSpPr>
+          <p:cNvPr id="83" name="Shape 1426"/>
+          <p:cNvSpPr/>
+          <p:nvPr/>
+        </p:nvSpPr>
+        <p:spPr>
+          <a:xfrm>
+            <a:off x="3037268" y="1870576"/>
+            <a:ext cx="502323" cy="269749"/>
+          </a:xfrm>
+          <a:prstGeom prst="rect">
+            <a:avLst/>
+          </a:prstGeom>
+          <a:ln w="22225" cmpd="sng">
+            <a:solidFill>
+              <a:schemeClr val="tx2"/>
+            </a:solidFill>
+            <a:prstDash val="sysDash"/>
+            <a:miter lim="400000"/>
+          </a:ln>
+          <a:extLst>
+            <a:ext uri="{C572A759-6A51-4108-AA02-DFA0A04FC94B}">
+              <ma14:wrappingTextBoxFlag xmlns:ma14="http://schemas.microsoft.com/office/mac/drawingml/2011/main" val="1"/>
+            </a:ext>
+          </a:extLst>
+        </p:spPr>
+        <p:txBody>
+          <a:bodyPr lIns="0" tIns="0" rIns="0" bIns="0" anchor="ctr"/>
+          <a:lstStyle>
+            <a:lvl1pPr algn="ctr">
+              <a:defRPr sz="1100">
+                <a:solidFill>
+                  <a:srgbClr val="29756E"/>
+                </a:solidFill>
+                <a:uFillTx/>
+                <a:latin typeface="Avenir Next Demi Bold"/>
+                <a:ea typeface="Avenir Next Demi Bold"/>
+                <a:cs typeface="Avenir Next Demi Bold"/>
+                <a:sym typeface="Avenir Next Demi Bold"/>
+              </a:defRPr>
+            </a:lvl1pPr>
+          </a:lstStyle>
+          <a:p>
+            <a:pPr lvl="0">
+              <a:defRPr sz="1800">
+                <a:solidFill>
+                  <a:srgbClr val="000000"/>
+                </a:solidFill>
+              </a:defRPr>
+            </a:pPr>
+            <a:r>
+              <a:rPr lang="x-none" sz="1200" dirty="0" smtClean="0">
+                <a:solidFill>
+                  <a:srgbClr val="29756E"/>
+                </a:solidFill>
+                <a:latin typeface="+mn-lt"/>
+              </a:rPr>
+              <a:t>Split</a:t>
+            </a:r>
+            <a:endParaRPr sz="1200" dirty="0">
+              <a:solidFill>
+                <a:srgbClr val="29756E"/>
+              </a:solidFill>
+              <a:latin typeface="+mn-lt"/>
+            </a:endParaRPr>
+          </a:p>
+        </p:txBody>
+      </p:sp>
+      <p:cxnSp>
+        <p:nvCxnSpPr>
+          <p:cNvPr id="84" name="Straight Arrow Connector 83"/>
+          <p:cNvCxnSpPr/>
+          <p:nvPr/>
+        </p:nvCxnSpPr>
+        <p:spPr>
+          <a:xfrm flipV="1">
+            <a:off x="3603140" y="2011947"/>
+            <a:ext cx="193154" cy="734"/>
+          </a:xfrm>
+          <a:prstGeom prst="straightConnector1">
+            <a:avLst/>
+          </a:prstGeom>
+          <a:ln w="19050" cmpd="sng">
+            <a:solidFill>
+              <a:schemeClr val="accent1">
+                <a:lumMod val="75000"/>
+              </a:schemeClr>
+            </a:solidFill>
+            <a:headEnd type="none"/>
+            <a:tailEnd type="arrow"/>
+          </a:ln>
+        </p:spPr>
+        <p:style>
+          <a:lnRef idx="1">
+            <a:schemeClr val="accent1"/>
+          </a:lnRef>
+          <a:fillRef idx="0">
+            <a:schemeClr val="accent1"/>
+          </a:fillRef>
+          <a:effectRef idx="0">
+            <a:schemeClr val="accent1"/>
+          </a:effectRef>
+          <a:fontRef idx="minor">
+            <a:schemeClr val="tx1"/>
+          </a:fontRef>
+        </p:style>
+      </p:cxnSp>
+      <p:sp>
+        <p:nvSpPr>
+          <p:cNvPr id="85" name="Shape 1426"/>
+          <p:cNvSpPr/>
+          <p:nvPr/>
+        </p:nvSpPr>
+        <p:spPr>
+          <a:xfrm>
+            <a:off x="3858055" y="1868975"/>
+            <a:ext cx="555188" cy="269749"/>
+          </a:xfrm>
+          <a:prstGeom prst="rect">
+            <a:avLst/>
+          </a:prstGeom>
+          <a:ln w="22225" cmpd="sng">
+            <a:solidFill>
+              <a:schemeClr val="tx2"/>
+            </a:solidFill>
+            <a:prstDash val="sysDash"/>
+            <a:miter lim="400000"/>
+          </a:ln>
+          <a:extLst>
+            <a:ext uri="{C572A759-6A51-4108-AA02-DFA0A04FC94B}">
+              <ma14:wrappingTextBoxFlag xmlns:ma14="http://schemas.microsoft.com/office/mac/drawingml/2011/main" val="1"/>
+            </a:ext>
+          </a:extLst>
+        </p:spPr>
+        <p:txBody>
+          <a:bodyPr lIns="0" tIns="0" rIns="0" bIns="0" anchor="ctr"/>
+          <a:lstStyle>
+            <a:lvl1pPr algn="ctr">
+              <a:defRPr sz="1100">
+                <a:solidFill>
+                  <a:srgbClr val="29756E"/>
+                </a:solidFill>
+                <a:uFillTx/>
+                <a:latin typeface="Avenir Next Demi Bold"/>
+                <a:ea typeface="Avenir Next Demi Bold"/>
+                <a:cs typeface="Avenir Next Demi Bold"/>
+                <a:sym typeface="Avenir Next Demi Bold"/>
+              </a:defRPr>
+            </a:lvl1pPr>
+          </a:lstStyle>
+          <a:p>
+            <a:pPr lvl="0">
+              <a:defRPr sz="1800">
+                <a:solidFill>
+                  <a:srgbClr val="000000"/>
+                </a:solidFill>
+              </a:defRPr>
+            </a:pPr>
+            <a:r>
+              <a:rPr lang="x-none" sz="1200" dirty="0" smtClean="0">
+                <a:solidFill>
+                  <a:srgbClr val="29756E"/>
+                </a:solidFill>
+                <a:latin typeface="+mn-lt"/>
+              </a:rPr>
+              <a:t>Filter</a:t>
+            </a:r>
+            <a:endParaRPr sz="1200" dirty="0">
+              <a:solidFill>
+                <a:srgbClr val="29756E"/>
+              </a:solidFill>
+              <a:latin typeface="+mn-lt"/>
+            </a:endParaRPr>
+          </a:p>
+        </p:txBody>
+      </p:sp>
+      <p:cxnSp>
+        <p:nvCxnSpPr>
+          <p:cNvPr id="86" name="Straight Arrow Connector 85"/>
+          <p:cNvCxnSpPr/>
+          <p:nvPr/>
+        </p:nvCxnSpPr>
+        <p:spPr>
+          <a:xfrm flipV="1">
+            <a:off x="4477969" y="2010346"/>
+            <a:ext cx="193154" cy="734"/>
+          </a:xfrm>
+          <a:prstGeom prst="straightConnector1">
+            <a:avLst/>
+          </a:prstGeom>
+          <a:ln w="19050" cmpd="sng">
+            <a:solidFill>
+              <a:schemeClr val="accent1">
+                <a:lumMod val="75000"/>
+              </a:schemeClr>
+            </a:solidFill>
+            <a:headEnd type="none"/>
+            <a:tailEnd type="arrow"/>
+          </a:ln>
+        </p:spPr>
+        <p:style>
+          <a:lnRef idx="1">
+            <a:schemeClr val="accent1"/>
+          </a:lnRef>
+          <a:fillRef idx="0">
+            <a:schemeClr val="accent1"/>
+          </a:fillRef>
+          <a:effectRef idx="0">
+            <a:schemeClr val="accent1"/>
+          </a:effectRef>
+          <a:fontRef idx="minor">
+            <a:schemeClr val="tx1"/>
+          </a:fontRef>
+        </p:style>
+      </p:cxnSp>
+      <p:sp>
+        <p:nvSpPr>
+          <p:cNvPr id="87" name="Shape 1426"/>
+          <p:cNvSpPr/>
+          <p:nvPr/>
+        </p:nvSpPr>
+        <p:spPr>
+          <a:xfrm>
+            <a:off x="4722883" y="1862690"/>
+            <a:ext cx="798186" cy="269749"/>
+          </a:xfrm>
+          <a:prstGeom prst="rect">
+            <a:avLst/>
+          </a:prstGeom>
+          <a:ln w="22225" cmpd="sng">
+            <a:solidFill>
+              <a:schemeClr val="tx2"/>
+            </a:solidFill>
+            <a:prstDash val="sysDash"/>
+            <a:miter lim="400000"/>
+          </a:ln>
+          <a:extLst>
+            <a:ext uri="{C572A759-6A51-4108-AA02-DFA0A04FC94B}">
+              <ma14:wrappingTextBoxFlag xmlns:ma14="http://schemas.microsoft.com/office/mac/drawingml/2011/main" val="1"/>
+            </a:ext>
+          </a:extLst>
+        </p:spPr>
+        <p:txBody>
+          <a:bodyPr lIns="0" tIns="0" rIns="0" bIns="0" anchor="ctr"/>
+          <a:lstStyle>
+            <a:lvl1pPr algn="ctr">
+              <a:defRPr sz="1100">
+                <a:solidFill>
+                  <a:srgbClr val="29756E"/>
+                </a:solidFill>
+                <a:uFillTx/>
+                <a:latin typeface="Avenir Next Demi Bold"/>
+                <a:ea typeface="Avenir Next Demi Bold"/>
+                <a:cs typeface="Avenir Next Demi Bold"/>
+                <a:sym typeface="Avenir Next Demi Bold"/>
+              </a:defRPr>
+            </a:lvl1pPr>
+          </a:lstStyle>
+          <a:p>
+            <a:pPr lvl="0">
+              <a:defRPr sz="1800">
+                <a:solidFill>
+                  <a:srgbClr val="000000"/>
+                </a:solidFill>
+              </a:defRPr>
+            </a:pPr>
+            <a:r>
+              <a:rPr lang="x-none" sz="1200" dirty="0" smtClean="0">
+                <a:solidFill>
+                  <a:srgbClr val="29756E"/>
+                </a:solidFill>
+                <a:latin typeface="+mn-lt"/>
+              </a:rPr>
+              <a:t>Transform</a:t>
+            </a:r>
+            <a:endParaRPr sz="1200" dirty="0">
+              <a:solidFill>
+                <a:srgbClr val="29756E"/>
+              </a:solidFill>
+              <a:latin typeface="+mn-lt"/>
+            </a:endParaRPr>
+          </a:p>
+        </p:txBody>
+      </p:sp>
+      <p:cxnSp>
+        <p:nvCxnSpPr>
+          <p:cNvPr id="90" name="Straight Arrow Connector 89"/>
+          <p:cNvCxnSpPr/>
+          <p:nvPr/>
+        </p:nvCxnSpPr>
+        <p:spPr>
+          <a:xfrm flipV="1">
+            <a:off x="5566902" y="2013548"/>
+            <a:ext cx="193154" cy="734"/>
+          </a:xfrm>
+          <a:prstGeom prst="straightConnector1">
+            <a:avLst/>
+          </a:prstGeom>
+          <a:ln w="19050" cmpd="sng">
+            <a:solidFill>
+              <a:schemeClr val="accent1">
+                <a:lumMod val="75000"/>
+              </a:schemeClr>
+            </a:solidFill>
+            <a:headEnd type="none"/>
+            <a:tailEnd type="arrow"/>
+          </a:ln>
+        </p:spPr>
+        <p:style>
+          <a:lnRef idx="1">
+            <a:schemeClr val="accent1"/>
+          </a:lnRef>
+          <a:fillRef idx="0">
+            <a:schemeClr val="accent1"/>
+          </a:fillRef>
+          <a:effectRef idx="0">
+            <a:schemeClr val="accent1"/>
+          </a:effectRef>
+          <a:fontRef idx="minor">
+            <a:schemeClr val="tx1"/>
+          </a:fontRef>
+        </p:style>
+      </p:cxnSp>
+      <p:sp>
+        <p:nvSpPr>
+          <p:cNvPr id="91" name="Shape 1426"/>
+          <p:cNvSpPr/>
+          <p:nvPr/>
+        </p:nvSpPr>
+        <p:spPr>
+          <a:xfrm>
+            <a:off x="5821817" y="1870576"/>
+            <a:ext cx="473830" cy="269749"/>
+          </a:xfrm>
+          <a:prstGeom prst="rect">
+            <a:avLst/>
+          </a:prstGeom>
+          <a:ln w="22225" cmpd="sng">
+            <a:solidFill>
+              <a:schemeClr val="tx2"/>
+            </a:solidFill>
+            <a:prstDash val="sysDash"/>
+            <a:miter lim="400000"/>
+          </a:ln>
+          <a:extLst>
+            <a:ext uri="{C572A759-6A51-4108-AA02-DFA0A04FC94B}">
+              <ma14:wrappingTextBoxFlag xmlns:ma14="http://schemas.microsoft.com/office/mac/drawingml/2011/main" val="1"/>
+            </a:ext>
+          </a:extLst>
+        </p:spPr>
+        <p:txBody>
+          <a:bodyPr lIns="0" tIns="0" rIns="0" bIns="0" anchor="ctr"/>
+          <a:lstStyle>
+            <a:lvl1pPr algn="ctr">
+              <a:defRPr sz="1100">
+                <a:solidFill>
+                  <a:srgbClr val="29756E"/>
+                </a:solidFill>
+                <a:uFillTx/>
+                <a:latin typeface="Avenir Next Demi Bold"/>
+                <a:ea typeface="Avenir Next Demi Bold"/>
+                <a:cs typeface="Avenir Next Demi Bold"/>
+                <a:sym typeface="Avenir Next Demi Bold"/>
+              </a:defRPr>
+            </a:lvl1pPr>
+          </a:lstStyle>
+          <a:p>
+            <a:pPr lvl="0">
+              <a:defRPr sz="1800">
+                <a:solidFill>
+                  <a:srgbClr val="000000"/>
+                </a:solidFill>
+              </a:defRPr>
+            </a:pPr>
+            <a:r>
+              <a:rPr lang="x-none" sz="1200" dirty="0" smtClean="0">
+                <a:solidFill>
+                  <a:srgbClr val="29756E"/>
+                </a:solidFill>
+                <a:latin typeface="+mn-lt"/>
+              </a:rPr>
+              <a:t>Sink</a:t>
+            </a:r>
+            <a:endParaRPr sz="1200" dirty="0">
+              <a:solidFill>
+                <a:srgbClr val="29756E"/>
+              </a:solidFill>
+              <a:latin typeface="+mn-lt"/>
+            </a:endParaRPr>
+          </a:p>
+        </p:txBody>
+      </p:sp>
+    </p:spTree>
+    <p:extLst>
+      <p:ext uri="{BB962C8B-B14F-4D97-AF65-F5344CB8AC3E}">
+        <p14:creationId xmlns:p14="http://schemas.microsoft.com/office/powerpoint/2010/main" val="293265242"/>
+      </p:ext>
+    </p:extLst>
+  </p:cSld>
+  <p:clrMapOvr>
+    <a:masterClrMapping/>
+  </p:clrMapOvr>
+  <mc:AlternateContent xmlns:mc="http://schemas.openxmlformats.org/markup-compatibility/2006" xmlns:p14="http://schemas.microsoft.com/office/powerpoint/2010/main">
+    <mc:Choice Requires="p14">
+      <p:transition spd="slow" p14:dur="1200">
+        <p14:prism/>
+      </p:transition>
+    </mc:Choice>
+    <mc:Fallback xmlns="">
+      <p:transition xmlns:p14="http://schemas.microsoft.com/office/powerpoint/2010/main" spd="slow">
+        <p:fade/>
+      </p:transition>
+    </mc:Fallback>
+  </mc:AlternateContent>
+  <p:timing>
+    <p:tnLst>
+      <p:par>
+        <p:cTn xmlns:p14="http://schemas.microsoft.com/office/powerpoint/2010/main" id="1" dur="indefinite" restart="never" fill="hold" nodeType="tmRoot"/>
+      </p:par>
+    </p:tnLst>
+  </p:timing>
+</p:sld>
+</file>
+
+<file path=ppt/slides/slide5.xml><?xml version="1.0" encoding="utf-8"?>
 <p:sld xmlns:a="http://schemas.openxmlformats.org/drawingml/2006/main" xmlns:r="http://schemas.openxmlformats.org/officeDocument/2006/relationships" xmlns:p="http://schemas.openxmlformats.org/presentationml/2006/main">
   <p:cSld>
     <p:spTree>
@@ -10477,7 +13364,7 @@
 </p:sld>
 </file>
 
-<file path=ppt/slides/slide5.xml><?xml version="1.0" encoding="utf-8"?>
+<file path=ppt/slides/slide6.xml><?xml version="1.0" encoding="utf-8"?>
 <p:sld xmlns:a="http://schemas.openxmlformats.org/drawingml/2006/main" xmlns:r="http://schemas.openxmlformats.org/officeDocument/2006/relationships" xmlns:p="http://schemas.openxmlformats.org/presentationml/2006/main">
   <p:cSld>
     <p:spTree>
@@ -10838,7 +13725,7 @@
 </p:sld>
 </file>
 
-<file path=ppt/slides/slide6.xml><?xml version="1.0" encoding="utf-8"?>
+<file path=ppt/slides/slide7.xml><?xml version="1.0" encoding="utf-8"?>
 <p:sld xmlns:a="http://schemas.openxmlformats.org/drawingml/2006/main" xmlns:r="http://schemas.openxmlformats.org/officeDocument/2006/relationships" xmlns:p="http://schemas.openxmlformats.org/presentationml/2006/main">
   <p:cSld>
     <p:spTree>
@@ -10969,27 +13856,7 @@
                 <a:latin typeface="Arial Hebrew"/>
                 <a:cs typeface="Arial Hebrew"/>
               </a:rPr>
-              <a:t>$ </a:t>
-            </a:r>
-            <a:r>
-              <a:rPr lang="en-US" dirty="0" err="1" smtClean="0">
-                <a:solidFill>
-                  <a:schemeClr val="bg1"/>
-                </a:solidFill>
-                <a:latin typeface="Arial Hebrew"/>
-                <a:cs typeface="Arial Hebrew"/>
-              </a:rPr>
-              <a:t>git</a:t>
-            </a:r>
-            <a:r>
-              <a:rPr lang="en-US" dirty="0" smtClean="0">
-                <a:solidFill>
-                  <a:schemeClr val="bg1"/>
-                </a:solidFill>
-                <a:latin typeface="Arial Hebrew"/>
-                <a:cs typeface="Arial Hebrew"/>
-              </a:rPr>
-              <a:t> clone http</a:t>
+              <a:t>Access:  http</a:t>
             </a:r>
             <a:r>
               <a:rPr lang="en-US" dirty="0">
@@ -11040,7 +13907,7 @@
 </p:sld>
 </file>
 
-<file path=ppt/slides/slide7.xml><?xml version="1.0" encoding="utf-8"?>
+<file path=ppt/slides/slide8.xml><?xml version="1.0" encoding="utf-8"?>
 <p:sld xmlns:a="http://schemas.openxmlformats.org/drawingml/2006/main" xmlns:r="http://schemas.openxmlformats.org/officeDocument/2006/relationships" xmlns:p="http://schemas.openxmlformats.org/presentationml/2006/main">
   <p:cSld>
     <p:spTree>
@@ -11976,7 +14843,7 @@
                   </a:solidFill>
                 </a:uFill>
               </a:rPr>
-              <a:t>7</a:t>
+              <a:t>8</a:t>
             </a:fld>
             <a:endParaRPr sz="800">
               <a:solidFill>
@@ -12005,7 +14872,7 @@
 </p:sld>
 </file>
 
-<file path=ppt/slides/slide8.xml><?xml version="1.0" encoding="utf-8"?>
+<file path=ppt/slides/slide9.xml><?xml version="1.0" encoding="utf-8"?>
 <p:sld xmlns:a="http://schemas.openxmlformats.org/drawingml/2006/main" xmlns:r="http://schemas.openxmlformats.org/officeDocument/2006/relationships" xmlns:p="http://schemas.openxmlformats.org/presentationml/2006/main">
   <p:cSld>
     <p:spTree>

--- a/labs/preparing_labs.pptx
+++ b/labs/preparing_labs.pptx
@@ -9609,6 +9609,13 @@
   <p:transition xmlns:p14="http://schemas.microsoft.com/office/powerpoint/2010/main" spd="med">
     <p:dissolve/>
   </p:transition>
+  <p:timing>
+    <p:tnLst>
+      <p:par>
+        <p:cTn xmlns:p14="http://schemas.microsoft.com/office/powerpoint/2010/main" id="1" dur="indefinite" restart="never" nodeType="tmRoot"/>
+      </p:par>
+    </p:tnLst>
+  </p:timing>
 </p:sld>
 </file>
 

--- a/labs/preparing_labs.pptx
+++ b/labs/preparing_labs.pptx
@@ -13841,8 +13841,8 @@
         </p:nvSpPr>
         <p:spPr>
           <a:xfrm>
-            <a:off x="1107816" y="4643542"/>
-            <a:ext cx="6565847" cy="369332"/>
+            <a:off x="-97684" y="4584928"/>
+            <a:ext cx="8362461" cy="461665"/>
           </a:xfrm>
           <a:prstGeom prst="rect">
             <a:avLst/>
@@ -13856,7 +13856,7 @@
           <a:p>
             <a:pPr algn="ctr"/>
             <a:r>
-              <a:rPr lang="en-US" dirty="0" smtClean="0">
+              <a:rPr lang="en-US" sz="2400" dirty="0" smtClean="0">
                 <a:solidFill>
                   <a:schemeClr val="bg1"/>
                 </a:solidFill>
@@ -13866,7 +13866,7 @@
               <a:t>Access:  http</a:t>
             </a:r>
             <a:r>
-              <a:rPr lang="en-US" dirty="0">
+              <a:rPr lang="en-US" sz="2400" dirty="0">
                 <a:solidFill>
                   <a:schemeClr val="bg1"/>
                 </a:solidFill>
@@ -13876,7 +13876,7 @@
               <a:t>://</a:t>
             </a:r>
             <a:r>
-              <a:rPr lang="en-US" dirty="0" err="1">
+              <a:rPr lang="en-US" sz="2400" dirty="0" err="1">
                 <a:solidFill>
                   <a:schemeClr val="bg1"/>
                 </a:solidFill>
@@ -13886,7 +13886,7 @@
               <a:t>tinyurl.com</a:t>
             </a:r>
             <a:r>
-              <a:rPr lang="en-US" dirty="0">
+              <a:rPr lang="en-US" sz="2400" dirty="0">
                 <a:solidFill>
                   <a:schemeClr val="bg1"/>
                 </a:solidFill>
@@ -13911,6 +13911,13 @@
   <p:transition xmlns:p14="http://schemas.microsoft.com/office/powerpoint/2010/main" spd="med">
     <p:dissolve/>
   </p:transition>
+  <p:timing>
+    <p:tnLst>
+      <p:par>
+        <p:cTn xmlns:p14="http://schemas.microsoft.com/office/powerpoint/2010/main" id="1" dur="indefinite" restart="never" nodeType="tmRoot"/>
+      </p:par>
+    </p:tnLst>
+  </p:timing>
 </p:sld>
 </file>
 
@@ -14311,10 +14318,10 @@
                 <a:cs typeface="Avenir Next Demi Bold"/>
                 <a:sym typeface="Avenir Next Demi Bold"/>
               </a:rPr>
-              <a:t> </a:t>
-            </a:r>
-            <a:r>
-              <a:rPr lang="en-US" sz="1600" dirty="0" err="1" smtClean="0">
+              <a:t>Data Streaming with Spring XD Lab – 60</a:t>
+            </a:r>
+            <a:r>
+              <a:rPr lang="en-US" sz="1600" dirty="0">
                 <a:solidFill>
                   <a:srgbClr val="5E5E5E"/>
                 </a:solidFill>
@@ -14323,69 +14330,9 @@
                 <a:cs typeface="Avenir Next Demi Bold"/>
                 <a:sym typeface="Avenir Next Demi Bold"/>
               </a:rPr>
-              <a:t>GemFire</a:t>
-            </a:r>
-            <a:r>
-              <a:rPr lang="en-US" sz="1600" dirty="0" smtClean="0">
-                <a:solidFill>
-                  <a:srgbClr val="5E5E5E"/>
-                </a:solidFill>
-                <a:latin typeface="Avenir Next Demi Bold"/>
-                <a:ea typeface="Avenir Next Demi Bold"/>
-                <a:cs typeface="Avenir Next Demi Bold"/>
-                <a:sym typeface="Avenir Next Demi Bold"/>
-              </a:rPr>
-              <a:t> </a:t>
-            </a:r>
-            <a:r>
-              <a:rPr lang="en-US" sz="1600" dirty="0">
-                <a:solidFill>
-                  <a:srgbClr val="5E5E5E"/>
-                </a:solidFill>
-                <a:latin typeface="Avenir Next Demi Bold"/>
-                <a:ea typeface="Avenir Next Demi Bold"/>
-                <a:cs typeface="Avenir Next Demi Bold"/>
-                <a:sym typeface="Avenir Next Demi Bold"/>
-              </a:rPr>
-              <a:t>Lab </a:t>
-            </a:r>
-            <a:r>
-              <a:rPr lang="en-US" sz="1600" dirty="0" smtClean="0">
-                <a:solidFill>
-                  <a:srgbClr val="5E5E5E"/>
-                </a:solidFill>
-                <a:latin typeface="Avenir Next Demi Bold"/>
-                <a:ea typeface="Avenir Next Demi Bold"/>
-                <a:cs typeface="Avenir Next Demi Bold"/>
-                <a:sym typeface="Avenir Next Demi Bold"/>
-              </a:rPr>
-              <a:t>(40</a:t>
-            </a:r>
-            <a:r>
-              <a:rPr lang="en-US" sz="1600" dirty="0" smtClean="0">
-                <a:solidFill>
-                  <a:srgbClr val="5E5E5E"/>
-                </a:solidFill>
-                <a:latin typeface="Avenir Next Demi Bold"/>
-                <a:ea typeface="Avenir Next Demi Bold"/>
-                <a:cs typeface="Avenir Next Demi Bold"/>
-                <a:sym typeface="Avenir Next Demi Bold"/>
-              </a:rPr>
               <a:t>'</a:t>
             </a:r>
-            <a:r>
-              <a:rPr lang="en-US" sz="1600" dirty="0" smtClean="0">
-                <a:solidFill>
-                  <a:srgbClr val="5E5E5E"/>
-                </a:solidFill>
-                <a:latin typeface="Avenir Next Demi Bold"/>
-                <a:ea typeface="Avenir Next Demi Bold"/>
-                <a:cs typeface="Avenir Next Demi Bold"/>
-                <a:sym typeface="Avenir Next Demi Bold"/>
-              </a:rPr>
-              <a:t>)</a:t>
-            </a:r>
-            <a:endParaRPr lang="en-US" sz="1600" dirty="0">
+            <a:endParaRPr lang="en-US" sz="1600" dirty="0" smtClean="0">
               <a:solidFill>
                 <a:srgbClr val="5E5E5E"/>
               </a:solidFill>
@@ -14413,42 +14360,13 @@
               </a:defRPr>
             </a:pPr>
             <a:r>
-              <a:rPr lang="en-US" sz="1600" dirty="0">
+              <a:rPr lang="en-US" sz="1600" dirty="0" smtClean="0">
                 <a:solidFill>
                   <a:srgbClr val="5E5E5E"/>
                 </a:solidFill>
               </a:rPr>
-              <a:t> </a:t>
-            </a:r>
-            <a:r>
-              <a:rPr lang="en-US" sz="1600" dirty="0" smtClean="0">
-                <a:solidFill>
-                  <a:srgbClr val="5E5E5E"/>
-                </a:solidFill>
-              </a:rPr>
-              <a:t>First </a:t>
-            </a:r>
-            <a:r>
-              <a:rPr lang="en-US" sz="1600" dirty="0">
-                <a:solidFill>
-                  <a:srgbClr val="5E5E5E"/>
-                </a:solidFill>
-              </a:rPr>
-              <a:t>steps with Pivotal </a:t>
-            </a:r>
-            <a:r>
-              <a:rPr lang="en-US" sz="1600" dirty="0" err="1" smtClean="0">
-                <a:solidFill>
-                  <a:srgbClr val="5E5E5E"/>
-                </a:solidFill>
-              </a:rPr>
-              <a:t>GemFire</a:t>
-            </a:r>
-            <a:endParaRPr lang="en-US" sz="1600" dirty="0">
-              <a:solidFill>
-                <a:srgbClr val="5E5E5E"/>
-              </a:solidFill>
-            </a:endParaRPr>
+              <a:t> First steps with Spring XD</a:t>
+            </a:r>
           </a:p>
           <a:p>
             <a:pPr marL="356615" lvl="1" indent="-118871" defTabSz="475487">
@@ -14473,13 +14391,24 @@
                   <a:srgbClr val="5E5E5E"/>
                 </a:solidFill>
               </a:rPr>
-              <a:t> Data load, query, scale-out, HA, monitoring</a:t>
-            </a:r>
-            <a:endParaRPr lang="en-US" sz="1600" dirty="0">
-              <a:solidFill>
-                <a:srgbClr val="5E5E5E"/>
-              </a:solidFill>
-            </a:endParaRPr>
+              <a:t> Building a Data Stream Pipeline. Using transformations, sinking to HDFS and </a:t>
+            </a:r>
+            <a:r>
+              <a:rPr lang="en-US" sz="1600" dirty="0" err="1" smtClean="0">
+                <a:solidFill>
+                  <a:srgbClr val="5E5E5E"/>
+                </a:solidFill>
+              </a:rPr>
+              <a:t>GemFire</a:t>
+            </a:r>
+            <a:r>
+              <a:rPr lang="en-US" sz="1600" dirty="0" smtClean="0">
+                <a:solidFill>
+                  <a:srgbClr val="5E5E5E"/>
+                </a:solidFill>
+              </a:rPr>
+              <a:t>.</a:t>
+            </a:r>
           </a:p>
           <a:p>
             <a:pPr marL="118871" indent="-118871" defTabSz="475487">
@@ -14497,7 +14426,7 @@
               </a:defRPr>
             </a:pPr>
             <a:r>
-              <a:rPr lang="en-US" sz="1600" dirty="0" smtClean="0">
+              <a:rPr lang="en-US" sz="1600" dirty="0">
                 <a:solidFill>
                   <a:srgbClr val="5E5E5E"/>
                 </a:solidFill>
@@ -14506,10 +14435,10 @@
                 <a:cs typeface="Avenir Next Demi Bold"/>
                 <a:sym typeface="Avenir Next Demi Bold"/>
               </a:rPr>
-              <a:t> Pivotal HD + </a:t>
-            </a:r>
-            <a:r>
-              <a:rPr lang="en-US" sz="1600" dirty="0" err="1" smtClean="0">
+              <a:t>Pivotal HD + </a:t>
+            </a:r>
+            <a:r>
+              <a:rPr lang="en-US" sz="1600" dirty="0" err="1">
                 <a:solidFill>
                   <a:srgbClr val="5E5E5E"/>
                 </a:solidFill>
@@ -14521,7 +14450,7 @@
               <a:t>Hawq</a:t>
             </a:r>
             <a:r>
-              <a:rPr lang="en-US" sz="1600" dirty="0" smtClean="0">
+              <a:rPr lang="en-US" sz="1600" dirty="0">
                 <a:solidFill>
                   <a:srgbClr val="5E5E5E"/>
                 </a:solidFill>
@@ -14530,41 +14459,8 @@
                 <a:cs typeface="Avenir Next Demi Bold"/>
                 <a:sym typeface="Avenir Next Demi Bold"/>
               </a:rPr>
-              <a:t> Lab (40</a:t>
-            </a:r>
-            <a:r>
-              <a:rPr lang="en-US" sz="1600" dirty="0" smtClean="0">
-                <a:solidFill>
-                  <a:srgbClr val="5E5E5E"/>
-                </a:solidFill>
-                <a:latin typeface="Avenir Next Demi Bold"/>
-                <a:ea typeface="Avenir Next Demi Bold"/>
-                <a:cs typeface="Avenir Next Demi Bold"/>
-                <a:sym typeface="Avenir Next Demi Bold"/>
-              </a:rPr>
-              <a:t>'</a:t>
-            </a:r>
-            <a:r>
-              <a:rPr lang="en-US" sz="1600" dirty="0" smtClean="0">
-                <a:solidFill>
-                  <a:srgbClr val="5E5E5E"/>
-                </a:solidFill>
-                <a:latin typeface="Avenir Next Demi Bold"/>
-                <a:ea typeface="Avenir Next Demi Bold"/>
-                <a:cs typeface="Avenir Next Demi Bold"/>
-                <a:sym typeface="Avenir Next Demi Bold"/>
-              </a:rPr>
-              <a:t>)</a:t>
-            </a:r>
-            <a:endParaRPr lang="en-US" sz="1600" dirty="0">
-              <a:solidFill>
-                <a:srgbClr val="5E5E5E"/>
-              </a:solidFill>
-              <a:latin typeface="Avenir Next Demi Bold"/>
-              <a:ea typeface="Avenir Next Demi Bold"/>
-              <a:cs typeface="Avenir Next Demi Bold"/>
-              <a:sym typeface="Avenir Next Demi Bold"/>
-            </a:endParaRPr>
+              <a:t> Lab (40')</a:t>
+            </a:r>
           </a:p>
           <a:p>
             <a:pPr marL="356615" lvl="1" indent="-118871" defTabSz="475487">
@@ -14584,7 +14480,7 @@
               </a:defRPr>
             </a:pPr>
             <a:r>
-              <a:rPr lang="en-US" sz="1600" dirty="0" smtClean="0">
+              <a:rPr lang="en-US" sz="1600" dirty="0">
                 <a:solidFill>
                   <a:srgbClr val="5E5E5E"/>
                 </a:solidFill>
@@ -14592,7 +14488,7 @@
               <a:t> First steps with Pivotal HD and </a:t>
             </a:r>
             <a:r>
-              <a:rPr lang="en-US" sz="1600" dirty="0" err="1" smtClean="0">
+              <a:rPr lang="en-US" sz="1600" dirty="0" err="1">
                 <a:solidFill>
                   <a:srgbClr val="5E5E5E"/>
                 </a:solidFill>
@@ -14623,18 +14519,21 @@
               </a:defRPr>
             </a:pPr>
             <a:r>
+              <a:rPr lang="en-US" sz="1600" dirty="0">
+                <a:solidFill>
+                  <a:srgbClr val="5E5E5E"/>
+                </a:solidFill>
+              </a:rPr>
+              <a:t> Accessing HDFS, loading data, performing SQL </a:t>
+            </a:r>
+            <a:r>
               <a:rPr lang="en-US" sz="1600" dirty="0" smtClean="0">
                 <a:solidFill>
                   <a:srgbClr val="5E5E5E"/>
                 </a:solidFill>
               </a:rPr>
-              <a:t> Accessing HDFS, loading data, performing SQL queries</a:t>
-            </a:r>
-            <a:endParaRPr lang="en-US" sz="1600" dirty="0">
-              <a:solidFill>
-                <a:srgbClr val="5E5E5E"/>
-              </a:solidFill>
-            </a:endParaRPr>
+              <a:t>queries</a:t>
+            </a:r>
           </a:p>
           <a:p>
             <a:pPr marL="118871" indent="-118871" defTabSz="475487">
@@ -14652,7 +14551,7 @@
               </a:defRPr>
             </a:pPr>
             <a:r>
-              <a:rPr lang="en-US" sz="1600" dirty="0" smtClean="0">
+              <a:rPr lang="en-US" sz="1600" dirty="0" err="1">
                 <a:solidFill>
                   <a:srgbClr val="5E5E5E"/>
                 </a:solidFill>
@@ -14661,10 +14560,10 @@
                 <a:cs typeface="Avenir Next Demi Bold"/>
                 <a:sym typeface="Avenir Next Demi Bold"/>
               </a:rPr>
-              <a:t> Data Streaming with Spring XD Lab (+ </a:t>
-            </a:r>
-            <a:r>
-              <a:rPr lang="en-US" sz="1600" dirty="0" err="1" smtClean="0">
+              <a:t>GemFire</a:t>
+            </a:r>
+            <a:r>
+              <a:rPr lang="en-US" sz="1600" dirty="0">
                 <a:solidFill>
                   <a:srgbClr val="5E5E5E"/>
                 </a:solidFill>
@@ -14673,65 +14572,8 @@
                 <a:cs typeface="Avenir Next Demi Bold"/>
                 <a:sym typeface="Avenir Next Demi Bold"/>
               </a:rPr>
-              <a:t>GemFire</a:t>
-            </a:r>
-            <a:r>
-              <a:rPr lang="en-US" sz="1600" dirty="0" smtClean="0">
-                <a:solidFill>
-                  <a:srgbClr val="5E5E5E"/>
-                </a:solidFill>
-                <a:latin typeface="Avenir Next Demi Bold"/>
-                <a:ea typeface="Avenir Next Demi Bold"/>
-                <a:cs typeface="Avenir Next Demi Bold"/>
-                <a:sym typeface="Avenir Next Demi Bold"/>
-              </a:rPr>
-              <a:t> and Pivotal HD / </a:t>
-            </a:r>
-            <a:r>
-              <a:rPr lang="en-US" sz="1600" dirty="0" err="1" smtClean="0">
-                <a:solidFill>
-                  <a:srgbClr val="5E5E5E"/>
-                </a:solidFill>
-                <a:latin typeface="Avenir Next Demi Bold"/>
-                <a:ea typeface="Avenir Next Demi Bold"/>
-                <a:cs typeface="Avenir Next Demi Bold"/>
-                <a:sym typeface="Avenir Next Demi Bold"/>
-              </a:rPr>
-              <a:t>Hawq</a:t>
-            </a:r>
-            <a:r>
-              <a:rPr lang="en-US" sz="1600" dirty="0" smtClean="0">
-                <a:solidFill>
-                  <a:srgbClr val="5E5E5E"/>
-                </a:solidFill>
-                <a:latin typeface="Avenir Next Demi Bold"/>
-                <a:ea typeface="Avenir Next Demi Bold"/>
-                <a:cs typeface="Avenir Next Demi Bold"/>
-                <a:sym typeface="Avenir Next Demi Bold"/>
-              </a:rPr>
-              <a:t>) – 40</a:t>
-            </a:r>
-            <a:r>
-              <a:rPr lang="en-US" sz="1600" dirty="0">
-                <a:solidFill>
-                  <a:srgbClr val="5E5E5E"/>
-                </a:solidFill>
-                <a:latin typeface="Avenir Next Demi Bold"/>
-                <a:ea typeface="Avenir Next Demi Bold"/>
-                <a:cs typeface="Avenir Next Demi Bold"/>
-                <a:sym typeface="Avenir Next Demi Bold"/>
-              </a:rPr>
-              <a:t>'</a:t>
-            </a:r>
-            <a:endParaRPr lang="en-US" sz="1600" dirty="0" smtClean="0">
-              <a:solidFill>
-                <a:srgbClr val="5E5E5E"/>
-              </a:solidFill>
-              <a:latin typeface="Avenir Next Demi Bold"/>
-              <a:ea typeface="Avenir Next Demi Bold"/>
-              <a:cs typeface="Avenir Next Demi Bold"/>
-              <a:sym typeface="Avenir Next Demi Bold"/>
-            </a:endParaRPr>
+              <a:t> Lab (40')</a:t>
+            </a:r>
           </a:p>
           <a:p>
             <a:pPr marL="356615" lvl="1" indent="-118871" defTabSz="475487">
@@ -14751,13 +14593,26 @@
               </a:defRPr>
             </a:pPr>
             <a:r>
-              <a:rPr lang="en-US" sz="1600" dirty="0" smtClean="0">
+              <a:rPr lang="en-US" sz="1600" dirty="0">
                 <a:solidFill>
                   <a:srgbClr val="5E5E5E"/>
                 </a:solidFill>
               </a:rPr>
-              <a:t> First steps with Spring XD</a:t>
-            </a:r>
+              <a:t> First steps with Pivotal </a:t>
+            </a:r>
+            <a:r>
+              <a:rPr lang="en-US" sz="1600" dirty="0" err="1">
+                <a:solidFill>
+                  <a:srgbClr val="5E5E5E"/>
+                </a:solidFill>
+              </a:rPr>
+              <a:t>GemFire</a:t>
+            </a:r>
+            <a:endParaRPr lang="en-US" sz="1600" dirty="0">
+              <a:solidFill>
+                <a:srgbClr val="5E5E5E"/>
+              </a:solidFill>
+            </a:endParaRPr>
           </a:p>
           <a:p>
             <a:pPr marL="356615" lvl="1" indent="-118871" defTabSz="475487">
@@ -14777,29 +14632,34 @@
               </a:defRPr>
             </a:pPr>
             <a:r>
-              <a:rPr lang="en-US" sz="1600" dirty="0" smtClean="0">
+              <a:rPr lang="en-US" sz="1600" dirty="0">
                 <a:solidFill>
                   <a:srgbClr val="5E5E5E"/>
                 </a:solidFill>
               </a:rPr>
-              <a:t> Building a Data Stream Pipeline. Using transformations, sinking to HDFS and </a:t>
-            </a:r>
-            <a:r>
-              <a:rPr lang="en-US" sz="1600" dirty="0" err="1" smtClean="0">
-                <a:solidFill>
-                  <a:srgbClr val="5E5E5E"/>
-                </a:solidFill>
-              </a:rPr>
-              <a:t>GemFire</a:t>
-            </a:r>
-            <a:r>
-              <a:rPr lang="en-US" sz="1600" dirty="0" smtClean="0">
-                <a:solidFill>
-                  <a:srgbClr val="5E5E5E"/>
-                </a:solidFill>
-              </a:rPr>
-              <a:t>.</a:t>
-            </a:r>
+              <a:t> Data load, query, scale-out, HA, monitoring</a:t>
+            </a:r>
+          </a:p>
+          <a:p>
+            <a:pPr marL="118871" indent="-118871" defTabSz="475487">
+              <a:lnSpc>
+                <a:spcPct val="120000"/>
+              </a:lnSpc>
+              <a:spcBef>
+                <a:spcPts val="600"/>
+              </a:spcBef>
+              <a:defRPr sz="1800">
+                <a:solidFill>
+                  <a:srgbClr val="000000"/>
+                </a:solidFill>
+                <a:uFillTx/>
+              </a:defRPr>
+            </a:pPr>
+            <a:endParaRPr lang="en-US" sz="1600" dirty="0" smtClean="0">
+              <a:solidFill>
+                <a:srgbClr val="5E5E5E"/>
+              </a:solidFill>
+            </a:endParaRPr>
           </a:p>
         </p:txBody>
       </p:sp>
@@ -14876,6 +14736,13 @@
     <a:masterClrMapping/>
   </p:clrMapOvr>
   <p:transition xmlns:p14="http://schemas.microsoft.com/office/powerpoint/2010/main" spd="med"/>
+  <p:timing>
+    <p:tnLst>
+      <p:par>
+        <p:cTn xmlns:p14="http://schemas.microsoft.com/office/powerpoint/2010/main" id="1" dur="indefinite" restart="never" nodeType="tmRoot"/>
+      </p:par>
+    </p:tnLst>
+  </p:timing>
 </p:sld>
 </file>
 
